--- a/Run Length Encoding.pptx
+++ b/Run Length Encoding.pptx
@@ -1,19 +1,19 @@
 
 <file path=ppt/presentation.xml><?xml version="1.0" encoding="utf-8"?>
-<p:presentation xmlns:a="http://schemas.openxmlformats.org/drawingml/2006/main" xmlns:r="http://schemas.openxmlformats.org/officeDocument/2006/relationships" xmlns:p="http://schemas.openxmlformats.org/presentationml/2006/main" saveSubsetFonts="1">
+<p:presentation xmlns:a="http://schemas.openxmlformats.org/drawingml/2006/main" xmlns:r="http://schemas.openxmlformats.org/officeDocument/2006/relationships" xmlns:p="http://schemas.openxmlformats.org/presentationml/2006/main">
   <p:sldMasterIdLst>
-    <p:sldMasterId id="2147483660" r:id="rId1"/>
+    <p:sldMasterId id="2147483648" r:id="rId1"/>
   </p:sldMasterIdLst>
   <p:sldIdLst>
-    <p:sldId id="256" r:id="rId2"/>
-    <p:sldId id="257" r:id="rId3"/>
-    <p:sldId id="258" r:id="rId4"/>
-    <p:sldId id="259" r:id="rId5"/>
-    <p:sldId id="260" r:id="rId6"/>
-    <p:sldId id="261" r:id="rId7"/>
-    <p:sldId id="262" r:id="rId8"/>
-    <p:sldId id="263" r:id="rId9"/>
-    <p:sldId id="264" r:id="rId10"/>
+    <p:sldId id="256" r:id="rId3"/>
+    <p:sldId id="257" r:id="rId4"/>
+    <p:sldId id="258" r:id="rId5"/>
+    <p:sldId id="259" r:id="rId6"/>
+    <p:sldId id="260" r:id="rId7"/>
+    <p:sldId id="261" r:id="rId8"/>
+    <p:sldId id="262" r:id="rId9"/>
+    <p:sldId id="263" r:id="rId10"/>
+    <p:sldId id="264" r:id="rId11"/>
   </p:sldIdLst>
   <p:sldSz cx="12192000" cy="6858000"/>
   <p:notesSz cx="6858000" cy="9144000"/>
@@ -116,7 +116,7 @@
 </file>
 
 <file path=ppt/slideLayouts/slideLayout1.xml><?xml version="1.0" encoding="utf-8"?>
-<p:sldLayout xmlns:a="http://schemas.openxmlformats.org/drawingml/2006/main" xmlns:r="http://schemas.openxmlformats.org/officeDocument/2006/relationships" xmlns:p="http://schemas.openxmlformats.org/presentationml/2006/main" showMasterSp="0" type="title" preserve="1">
+<p:sldLayout xmlns:a="http://schemas.openxmlformats.org/drawingml/2006/main" xmlns:r="http://schemas.openxmlformats.org/officeDocument/2006/relationships" xmlns:p="http://schemas.openxmlformats.org/presentationml/2006/main" type="title" preserve="1" showMasterSp="0">
   <p:cSld name="Diapositivo de Título">
     <p:spTree>
       <p:nvGrpSpPr>
@@ -669,7 +669,7 @@
             <a:spLocks noGrp="1"/>
           </p:cNvSpPr>
           <p:nvPr>
-            <p:ph type="ctrTitle"/>
+            <p:ph type="ctrTitle" hasCustomPrompt="1"/>
           </p:nvPr>
         </p:nvSpPr>
         <p:spPr>
@@ -707,7 +707,7 @@
             <a:spLocks noGrp="1"/>
           </p:cNvSpPr>
           <p:nvPr>
-            <p:ph type="subTitle" idx="1"/>
+            <p:ph type="subTitle" idx="1" hasCustomPrompt="1"/>
           </p:nvPr>
         </p:nvSpPr>
         <p:spPr>
@@ -837,7 +837,6 @@
           <a:p>
             <a:fld id="{16D72014-0387-47C5-9292-4AE062E5E673}" type="datetimeFigureOut">
               <a:rPr lang="pt-PT" smtClean="0"/>
-              <a:t>20/05/2024</a:t>
             </a:fld>
             <a:endParaRPr lang="pt-PT"/>
           </a:p>
@@ -879,18 +878,12 @@
           <a:p>
             <a:fld id="{3A08C73C-B4BA-4D75-9DD8-4F5E0F561D4F}" type="slidenum">
               <a:rPr lang="pt-PT" smtClean="0"/>
-              <a:t>‹nº›</a:t>
             </a:fld>
             <a:endParaRPr lang="pt-PT"/>
           </a:p>
         </p:txBody>
       </p:sp>
     </p:spTree>
-    <p:extLst>
-      <p:ext uri="{BB962C8B-B14F-4D97-AF65-F5344CB8AC3E}">
-        <p14:creationId xmlns:p14="http://schemas.microsoft.com/office/powerpoint/2010/main" val="2129007646"/>
-      </p:ext>
-    </p:extLst>
   </p:cSld>
   <p:clrMapOvr>
     <a:masterClrMapping/>
@@ -922,7 +915,7 @@
             <a:spLocks noGrp="1"/>
           </p:cNvSpPr>
           <p:nvPr>
-            <p:ph type="title"/>
+            <p:ph type="title" hasCustomPrompt="1"/>
           </p:nvPr>
         </p:nvSpPr>
         <p:spPr>
@@ -956,7 +949,7 @@
             <a:spLocks noGrp="1"/>
           </p:cNvSpPr>
           <p:nvPr>
-            <p:ph type="body" idx="1"/>
+            <p:ph type="body" idx="1" hasCustomPrompt="1"/>
           </p:nvPr>
         </p:nvSpPr>
         <p:spPr>
@@ -1068,6 +1061,7 @@
               <a:rPr lang="pt-PT"/>
               <a:t>Clique para editar os estilos do texto de Modelo Global</a:t>
             </a:r>
+            <a:endParaRPr lang="pt-PT"/>
           </a:p>
         </p:txBody>
       </p:sp>
@@ -1088,7 +1082,6 @@
           <a:p>
             <a:fld id="{16D72014-0387-47C5-9292-4AE062E5E673}" type="datetimeFigureOut">
               <a:rPr lang="pt-PT" smtClean="0"/>
-              <a:t>20/05/2024</a:t>
             </a:fld>
             <a:endParaRPr lang="pt-PT"/>
           </a:p>
@@ -1130,18 +1123,12 @@
           <a:p>
             <a:fld id="{3A08C73C-B4BA-4D75-9DD8-4F5E0F561D4F}" type="slidenum">
               <a:rPr lang="pt-PT" smtClean="0"/>
-              <a:t>‹nº›</a:t>
             </a:fld>
             <a:endParaRPr lang="pt-PT"/>
           </a:p>
         </p:txBody>
       </p:sp>
     </p:spTree>
-    <p:extLst>
-      <p:ext uri="{BB962C8B-B14F-4D97-AF65-F5344CB8AC3E}">
-        <p14:creationId xmlns:p14="http://schemas.microsoft.com/office/powerpoint/2010/main" val="3214833359"/>
-      </p:ext>
-    </p:extLst>
   </p:cSld>
   <p:clrMapOvr>
     <a:masterClrMapping/>
@@ -1173,7 +1160,7 @@
             <a:spLocks noGrp="1"/>
           </p:cNvSpPr>
           <p:nvPr>
-            <p:ph type="title"/>
+            <p:ph type="title" hasCustomPrompt="1"/>
           </p:nvPr>
         </p:nvSpPr>
         <p:spPr>
@@ -1207,7 +1194,7 @@
             <a:spLocks noGrp="1"/>
           </p:cNvSpPr>
           <p:nvPr>
-            <p:ph type="body" sz="quarter" idx="13"/>
+            <p:ph type="body" sz="quarter" idx="13" hasCustomPrompt="1"/>
           </p:nvPr>
         </p:nvSpPr>
         <p:spPr>
@@ -1260,6 +1247,7 @@
               <a:rPr lang="pt-PT"/>
               <a:t>Clique para editar os estilos do texto de Modelo Global</a:t>
             </a:r>
+            <a:endParaRPr lang="pt-PT"/>
           </a:p>
         </p:txBody>
       </p:sp>
@@ -1270,7 +1258,7 @@
             <a:spLocks noGrp="1"/>
           </p:cNvSpPr>
           <p:nvPr>
-            <p:ph type="body" idx="1"/>
+            <p:ph type="body" idx="1" hasCustomPrompt="1"/>
           </p:nvPr>
         </p:nvSpPr>
         <p:spPr>
@@ -1382,6 +1370,7 @@
               <a:rPr lang="pt-PT"/>
               <a:t>Clique para editar os estilos do texto de Modelo Global</a:t>
             </a:r>
+            <a:endParaRPr lang="pt-PT"/>
           </a:p>
         </p:txBody>
       </p:sp>
@@ -1402,7 +1391,6 @@
           <a:p>
             <a:fld id="{16D72014-0387-47C5-9292-4AE062E5E673}" type="datetimeFigureOut">
               <a:rPr lang="pt-PT" smtClean="0"/>
-              <a:t>20/05/2024</a:t>
             </a:fld>
             <a:endParaRPr lang="pt-PT"/>
           </a:p>
@@ -1444,7 +1432,6 @@
           <a:p>
             <a:fld id="{3A08C73C-B4BA-4D75-9DD8-4F5E0F561D4F}" type="slidenum">
               <a:rPr lang="pt-PT" smtClean="0"/>
-              <a:t>‹nº›</a:t>
             </a:fld>
             <a:endParaRPr lang="pt-PT"/>
           </a:p>
@@ -1484,10 +1471,23 @@
                   </a:schemeClr>
                 </a:solidFill>
                 <a:effectLst/>
-                <a:latin typeface="Arial"/>
+                <a:latin typeface="Arial" panose="020B0604020202020204"/>
               </a:rPr>
               <a:t>“</a:t>
             </a:r>
+            <a:endParaRPr lang="en-US" sz="8000" baseline="0" dirty="0">
+              <a:ln w="3175" cmpd="sng">
+                <a:noFill/>
+              </a:ln>
+              <a:solidFill>
+                <a:schemeClr val="accent1">
+                  <a:lumMod val="60000"/>
+                  <a:lumOff val="40000"/>
+                </a:schemeClr>
+              </a:solidFill>
+              <a:effectLst/>
+              <a:latin typeface="Arial" panose="020B0604020202020204"/>
+            </a:endParaRPr>
           </a:p>
         </p:txBody>
       </p:sp>
@@ -1524,7 +1524,7 @@
                     <a:lumOff val="40000"/>
                   </a:schemeClr>
                 </a:solidFill>
-                <a:latin typeface="Arial"/>
+                <a:latin typeface="Arial" panose="020B0604020202020204"/>
               </a:rPr>
               <a:t>”</a:t>
             </a:r>
@@ -1535,17 +1535,12 @@
                   <a:lumOff val="40000"/>
                 </a:schemeClr>
               </a:solidFill>
-              <a:latin typeface="Arial"/>
+              <a:latin typeface="Arial" panose="020B0604020202020204"/>
             </a:endParaRPr>
           </a:p>
         </p:txBody>
       </p:sp>
     </p:spTree>
-    <p:extLst>
-      <p:ext uri="{BB962C8B-B14F-4D97-AF65-F5344CB8AC3E}">
-        <p14:creationId xmlns:p14="http://schemas.microsoft.com/office/powerpoint/2010/main" val="4285024179"/>
-      </p:ext>
-    </p:extLst>
   </p:cSld>
   <p:clrMapOvr>
     <a:masterClrMapping/>
@@ -1577,7 +1572,7 @@
             <a:spLocks noGrp="1"/>
           </p:cNvSpPr>
           <p:nvPr>
-            <p:ph type="title"/>
+            <p:ph type="title" hasCustomPrompt="1"/>
           </p:nvPr>
         </p:nvSpPr>
         <p:spPr>
@@ -1611,7 +1606,7 @@
             <a:spLocks noGrp="1"/>
           </p:cNvSpPr>
           <p:nvPr>
-            <p:ph type="body" idx="1"/>
+            <p:ph type="body" idx="1" hasCustomPrompt="1"/>
           </p:nvPr>
         </p:nvSpPr>
         <p:spPr>
@@ -1723,6 +1718,7 @@
               <a:rPr lang="pt-PT"/>
               <a:t>Clique para editar os estilos do texto de Modelo Global</a:t>
             </a:r>
+            <a:endParaRPr lang="pt-PT"/>
           </a:p>
         </p:txBody>
       </p:sp>
@@ -1743,7 +1739,6 @@
           <a:p>
             <a:fld id="{16D72014-0387-47C5-9292-4AE062E5E673}" type="datetimeFigureOut">
               <a:rPr lang="pt-PT" smtClean="0"/>
-              <a:t>20/05/2024</a:t>
             </a:fld>
             <a:endParaRPr lang="pt-PT"/>
           </a:p>
@@ -1785,18 +1780,12 @@
           <a:p>
             <a:fld id="{3A08C73C-B4BA-4D75-9DD8-4F5E0F561D4F}" type="slidenum">
               <a:rPr lang="pt-PT" smtClean="0"/>
-              <a:t>‹nº›</a:t>
             </a:fld>
             <a:endParaRPr lang="pt-PT"/>
           </a:p>
         </p:txBody>
       </p:sp>
     </p:spTree>
-    <p:extLst>
-      <p:ext uri="{BB962C8B-B14F-4D97-AF65-F5344CB8AC3E}">
-        <p14:creationId xmlns:p14="http://schemas.microsoft.com/office/powerpoint/2010/main" val="162502974"/>
-      </p:ext>
-    </p:extLst>
   </p:cSld>
   <p:clrMapOvr>
     <a:masterClrMapping/>
@@ -1828,7 +1817,7 @@
             <a:spLocks noGrp="1"/>
           </p:cNvSpPr>
           <p:nvPr>
-            <p:ph type="title"/>
+            <p:ph type="title" hasCustomPrompt="1"/>
           </p:nvPr>
         </p:nvSpPr>
         <p:spPr>
@@ -1862,7 +1851,7 @@
             <a:spLocks noGrp="1"/>
           </p:cNvSpPr>
           <p:nvPr>
-            <p:ph type="body" sz="quarter" idx="13"/>
+            <p:ph type="body" sz="quarter" idx="13" hasCustomPrompt="1"/>
           </p:nvPr>
         </p:nvSpPr>
         <p:spPr>
@@ -1915,6 +1904,7 @@
               <a:rPr lang="pt-PT"/>
               <a:t>Clique para editar os estilos do texto de Modelo Global</a:t>
             </a:r>
+            <a:endParaRPr lang="pt-PT"/>
           </a:p>
         </p:txBody>
       </p:sp>
@@ -1925,7 +1915,7 @@
             <a:spLocks noGrp="1"/>
           </p:cNvSpPr>
           <p:nvPr>
-            <p:ph type="body" idx="1"/>
+            <p:ph type="body" idx="1" hasCustomPrompt="1"/>
           </p:nvPr>
         </p:nvSpPr>
         <p:spPr>
@@ -2037,6 +2027,7 @@
               <a:rPr lang="pt-PT"/>
               <a:t>Clique para editar os estilos do texto de Modelo Global</a:t>
             </a:r>
+            <a:endParaRPr lang="pt-PT"/>
           </a:p>
         </p:txBody>
       </p:sp>
@@ -2057,7 +2048,6 @@
           <a:p>
             <a:fld id="{16D72014-0387-47C5-9292-4AE062E5E673}" type="datetimeFigureOut">
               <a:rPr lang="pt-PT" smtClean="0"/>
-              <a:t>20/05/2024</a:t>
             </a:fld>
             <a:endParaRPr lang="pt-PT"/>
           </a:p>
@@ -2099,7 +2089,6 @@
           <a:p>
             <a:fld id="{3A08C73C-B4BA-4D75-9DD8-4F5E0F561D4F}" type="slidenum">
               <a:rPr lang="pt-PT" smtClean="0"/>
-              <a:t>‹nº›</a:t>
             </a:fld>
             <a:endParaRPr lang="pt-PT"/>
           </a:p>
@@ -2139,10 +2128,23 @@
                   </a:schemeClr>
                 </a:solidFill>
                 <a:effectLst/>
-                <a:latin typeface="Arial"/>
+                <a:latin typeface="Arial" panose="020B0604020202020204"/>
               </a:rPr>
               <a:t>“</a:t>
             </a:r>
+            <a:endParaRPr lang="en-US" sz="8000" baseline="0" dirty="0">
+              <a:ln w="3175" cmpd="sng">
+                <a:noFill/>
+              </a:ln>
+              <a:solidFill>
+                <a:schemeClr val="accent1">
+                  <a:lumMod val="60000"/>
+                  <a:lumOff val="40000"/>
+                </a:schemeClr>
+              </a:solidFill>
+              <a:effectLst/>
+              <a:latin typeface="Arial" panose="020B0604020202020204"/>
+            </a:endParaRPr>
           </a:p>
         </p:txBody>
       </p:sp>
@@ -2180,19 +2182,27 @@
                   </a:schemeClr>
                 </a:solidFill>
                 <a:effectLst/>
-                <a:latin typeface="Arial"/>
+                <a:latin typeface="Arial" panose="020B0604020202020204"/>
               </a:rPr>
               <a:t>”</a:t>
             </a:r>
+            <a:endParaRPr lang="en-US" sz="8000" baseline="0" dirty="0">
+              <a:ln w="3175" cmpd="sng">
+                <a:noFill/>
+              </a:ln>
+              <a:solidFill>
+                <a:schemeClr val="accent1">
+                  <a:lumMod val="60000"/>
+                  <a:lumOff val="40000"/>
+                </a:schemeClr>
+              </a:solidFill>
+              <a:effectLst/>
+              <a:latin typeface="Arial" panose="020B0604020202020204"/>
+            </a:endParaRPr>
           </a:p>
         </p:txBody>
       </p:sp>
     </p:spTree>
-    <p:extLst>
-      <p:ext uri="{BB962C8B-B14F-4D97-AF65-F5344CB8AC3E}">
-        <p14:creationId xmlns:p14="http://schemas.microsoft.com/office/powerpoint/2010/main" val="674673749"/>
-      </p:ext>
-    </p:extLst>
   </p:cSld>
   <p:clrMapOvr>
     <a:masterClrMapping/>
@@ -2224,7 +2234,7 @@
             <a:spLocks noGrp="1"/>
           </p:cNvSpPr>
           <p:nvPr>
-            <p:ph type="title"/>
+            <p:ph type="title" hasCustomPrompt="1"/>
           </p:nvPr>
         </p:nvSpPr>
         <p:spPr>
@@ -2258,7 +2268,7 @@
             <a:spLocks noGrp="1"/>
           </p:cNvSpPr>
           <p:nvPr>
-            <p:ph type="body" sz="quarter" idx="13"/>
+            <p:ph type="body" sz="quarter" idx="13" hasCustomPrompt="1"/>
           </p:nvPr>
         </p:nvSpPr>
         <p:spPr>
@@ -2308,6 +2318,7 @@
               <a:rPr lang="pt-PT"/>
               <a:t>Clique para editar os estilos do texto de Modelo Global</a:t>
             </a:r>
+            <a:endParaRPr lang="pt-PT"/>
           </a:p>
         </p:txBody>
       </p:sp>
@@ -2318,7 +2329,7 @@
             <a:spLocks noGrp="1"/>
           </p:cNvSpPr>
           <p:nvPr>
-            <p:ph type="body" idx="1"/>
+            <p:ph type="body" idx="1" hasCustomPrompt="1"/>
           </p:nvPr>
         </p:nvSpPr>
         <p:spPr>
@@ -2430,6 +2441,7 @@
               <a:rPr lang="pt-PT"/>
               <a:t>Clique para editar os estilos do texto de Modelo Global</a:t>
             </a:r>
+            <a:endParaRPr lang="pt-PT"/>
           </a:p>
         </p:txBody>
       </p:sp>
@@ -2450,7 +2462,6 @@
           <a:p>
             <a:fld id="{16D72014-0387-47C5-9292-4AE062E5E673}" type="datetimeFigureOut">
               <a:rPr lang="pt-PT" smtClean="0"/>
-              <a:t>20/05/2024</a:t>
             </a:fld>
             <a:endParaRPr lang="pt-PT"/>
           </a:p>
@@ -2492,18 +2503,12 @@
           <a:p>
             <a:fld id="{3A08C73C-B4BA-4D75-9DD8-4F5E0F561D4F}" type="slidenum">
               <a:rPr lang="pt-PT" smtClean="0"/>
-              <a:t>‹nº›</a:t>
             </a:fld>
             <a:endParaRPr lang="pt-PT"/>
           </a:p>
         </p:txBody>
       </p:sp>
     </p:spTree>
-    <p:extLst>
-      <p:ext uri="{BB962C8B-B14F-4D97-AF65-F5344CB8AC3E}">
-        <p14:creationId xmlns:p14="http://schemas.microsoft.com/office/powerpoint/2010/main" val="681041700"/>
-      </p:ext>
-    </p:extLst>
   </p:cSld>
   <p:clrMapOvr>
     <a:masterClrMapping/>
@@ -2535,7 +2540,7 @@
             <a:spLocks noGrp="1"/>
           </p:cNvSpPr>
           <p:nvPr>
-            <p:ph type="title"/>
+            <p:ph type="title" hasCustomPrompt="1"/>
           </p:nvPr>
         </p:nvSpPr>
         <p:spPr/>
@@ -2558,7 +2563,7 @@
             <a:spLocks noGrp="1"/>
           </p:cNvSpPr>
           <p:nvPr>
-            <p:ph type="body" orient="vert" idx="1"/>
+            <p:ph type="body" orient="vert" idx="1" hasCustomPrompt="1"/>
           </p:nvPr>
         </p:nvSpPr>
         <p:spPr/>
@@ -2571,6 +2576,7 @@
               <a:rPr lang="pt-PT"/>
               <a:t>Clique para editar os estilos do texto de Modelo Global</a:t>
             </a:r>
+            <a:endParaRPr lang="pt-PT"/>
           </a:p>
           <a:p>
             <a:pPr lvl="1"/>
@@ -2578,6 +2584,7 @@
               <a:rPr lang="pt-PT"/>
               <a:t>Segundo nível</a:t>
             </a:r>
+            <a:endParaRPr lang="pt-PT"/>
           </a:p>
           <a:p>
             <a:pPr lvl="2"/>
@@ -2585,6 +2592,7 @@
               <a:rPr lang="pt-PT"/>
               <a:t>Terceiro nível</a:t>
             </a:r>
+            <a:endParaRPr lang="pt-PT"/>
           </a:p>
           <a:p>
             <a:pPr lvl="3"/>
@@ -2592,6 +2600,7 @@
               <a:rPr lang="pt-PT"/>
               <a:t>Quarto nível</a:t>
             </a:r>
+            <a:endParaRPr lang="pt-PT"/>
           </a:p>
           <a:p>
             <a:pPr lvl="4"/>
@@ -2620,7 +2629,6 @@
           <a:p>
             <a:fld id="{16D72014-0387-47C5-9292-4AE062E5E673}" type="datetimeFigureOut">
               <a:rPr lang="pt-PT" smtClean="0"/>
-              <a:t>20/05/2024</a:t>
             </a:fld>
             <a:endParaRPr lang="pt-PT"/>
           </a:p>
@@ -2662,18 +2670,12 @@
           <a:p>
             <a:fld id="{3A08C73C-B4BA-4D75-9DD8-4F5E0F561D4F}" type="slidenum">
               <a:rPr lang="pt-PT" smtClean="0"/>
-              <a:t>‹nº›</a:t>
             </a:fld>
             <a:endParaRPr lang="pt-PT"/>
           </a:p>
         </p:txBody>
       </p:sp>
     </p:spTree>
-    <p:extLst>
-      <p:ext uri="{BB962C8B-B14F-4D97-AF65-F5344CB8AC3E}">
-        <p14:creationId xmlns:p14="http://schemas.microsoft.com/office/powerpoint/2010/main" val="4092132862"/>
-      </p:ext>
-    </p:extLst>
   </p:cSld>
   <p:clrMapOvr>
     <a:masterClrMapping/>
@@ -2705,7 +2707,7 @@
             <a:spLocks noGrp="1"/>
           </p:cNvSpPr>
           <p:nvPr>
-            <p:ph type="title" orient="vert"/>
+            <p:ph type="title" orient="vert" hasCustomPrompt="1"/>
           </p:nvPr>
         </p:nvSpPr>
         <p:spPr>
@@ -2733,7 +2735,7 @@
             <a:spLocks noGrp="1"/>
           </p:cNvSpPr>
           <p:nvPr>
-            <p:ph type="body" orient="vert" idx="1"/>
+            <p:ph type="body" orient="vert" idx="1" hasCustomPrompt="1"/>
           </p:nvPr>
         </p:nvSpPr>
         <p:spPr>
@@ -2751,6 +2753,7 @@
               <a:rPr lang="pt-PT"/>
               <a:t>Clique para editar os estilos do texto de Modelo Global</a:t>
             </a:r>
+            <a:endParaRPr lang="pt-PT"/>
           </a:p>
           <a:p>
             <a:pPr lvl="1"/>
@@ -2758,6 +2761,7 @@
               <a:rPr lang="pt-PT"/>
               <a:t>Segundo nível</a:t>
             </a:r>
+            <a:endParaRPr lang="pt-PT"/>
           </a:p>
           <a:p>
             <a:pPr lvl="2"/>
@@ -2765,6 +2769,7 @@
               <a:rPr lang="pt-PT"/>
               <a:t>Terceiro nível</a:t>
             </a:r>
+            <a:endParaRPr lang="pt-PT"/>
           </a:p>
           <a:p>
             <a:pPr lvl="3"/>
@@ -2772,6 +2777,7 @@
               <a:rPr lang="pt-PT"/>
               <a:t>Quarto nível</a:t>
             </a:r>
+            <a:endParaRPr lang="pt-PT"/>
           </a:p>
           <a:p>
             <a:pPr lvl="4"/>
@@ -2800,7 +2806,6 @@
           <a:p>
             <a:fld id="{16D72014-0387-47C5-9292-4AE062E5E673}" type="datetimeFigureOut">
               <a:rPr lang="pt-PT" smtClean="0"/>
-              <a:t>20/05/2024</a:t>
             </a:fld>
             <a:endParaRPr lang="pt-PT"/>
           </a:p>
@@ -2842,18 +2847,12 @@
           <a:p>
             <a:fld id="{3A08C73C-B4BA-4D75-9DD8-4F5E0F561D4F}" type="slidenum">
               <a:rPr lang="pt-PT" smtClean="0"/>
-              <a:t>‹nº›</a:t>
             </a:fld>
             <a:endParaRPr lang="pt-PT"/>
           </a:p>
         </p:txBody>
       </p:sp>
     </p:spTree>
-    <p:extLst>
-      <p:ext uri="{BB962C8B-B14F-4D97-AF65-F5344CB8AC3E}">
-        <p14:creationId xmlns:p14="http://schemas.microsoft.com/office/powerpoint/2010/main" val="3186824223"/>
-      </p:ext>
-    </p:extLst>
   </p:cSld>
   <p:clrMapOvr>
     <a:masterClrMapping/>
@@ -2885,7 +2884,7 @@
             <a:spLocks noGrp="1"/>
           </p:cNvSpPr>
           <p:nvPr>
-            <p:ph type="title"/>
+            <p:ph type="title" hasCustomPrompt="1"/>
           </p:nvPr>
         </p:nvSpPr>
         <p:spPr/>
@@ -2914,7 +2913,7 @@
             <a:spLocks noGrp="1"/>
           </p:cNvSpPr>
           <p:nvPr>
-            <p:ph idx="1"/>
+            <p:ph idx="1" hasCustomPrompt="1"/>
           </p:nvPr>
         </p:nvSpPr>
         <p:spPr/>
@@ -2927,6 +2926,7 @@
               <a:rPr lang="pt-PT"/>
               <a:t>Clique para editar os estilos do texto de Modelo Global</a:t>
             </a:r>
+            <a:endParaRPr lang="pt-PT"/>
           </a:p>
           <a:p>
             <a:pPr lvl="1"/>
@@ -2934,6 +2934,7 @@
               <a:rPr lang="pt-PT"/>
               <a:t>Segundo nível</a:t>
             </a:r>
+            <a:endParaRPr lang="pt-PT"/>
           </a:p>
           <a:p>
             <a:pPr lvl="2"/>
@@ -2941,6 +2942,7 @@
               <a:rPr lang="pt-PT"/>
               <a:t>Terceiro nível</a:t>
             </a:r>
+            <a:endParaRPr lang="pt-PT"/>
           </a:p>
           <a:p>
             <a:pPr lvl="3"/>
@@ -2948,6 +2950,7 @@
               <a:rPr lang="pt-PT"/>
               <a:t>Quarto nível</a:t>
             </a:r>
+            <a:endParaRPr lang="pt-PT"/>
           </a:p>
           <a:p>
             <a:pPr lvl="4"/>
@@ -2976,7 +2979,6 @@
           <a:p>
             <a:fld id="{16D72014-0387-47C5-9292-4AE062E5E673}" type="datetimeFigureOut">
               <a:rPr lang="pt-PT" smtClean="0"/>
-              <a:t>20/05/2024</a:t>
             </a:fld>
             <a:endParaRPr lang="pt-PT"/>
           </a:p>
@@ -3018,18 +3020,12 @@
           <a:p>
             <a:fld id="{3A08C73C-B4BA-4D75-9DD8-4F5E0F561D4F}" type="slidenum">
               <a:rPr lang="pt-PT" smtClean="0"/>
-              <a:t>‹nº›</a:t>
             </a:fld>
             <a:endParaRPr lang="pt-PT"/>
           </a:p>
         </p:txBody>
       </p:sp>
     </p:spTree>
-    <p:extLst>
-      <p:ext uri="{BB962C8B-B14F-4D97-AF65-F5344CB8AC3E}">
-        <p14:creationId xmlns:p14="http://schemas.microsoft.com/office/powerpoint/2010/main" val="523290898"/>
-      </p:ext>
-    </p:extLst>
   </p:cSld>
   <p:clrMapOvr>
     <a:masterClrMapping/>
@@ -3061,7 +3057,7 @@
             <a:spLocks noGrp="1"/>
           </p:cNvSpPr>
           <p:nvPr>
-            <p:ph type="title"/>
+            <p:ph type="title" hasCustomPrompt="1"/>
           </p:nvPr>
         </p:nvSpPr>
         <p:spPr>
@@ -3093,7 +3089,7 @@
             <a:spLocks noGrp="1"/>
           </p:cNvSpPr>
           <p:nvPr>
-            <p:ph type="body" idx="1"/>
+            <p:ph type="body" idx="1" hasCustomPrompt="1"/>
           </p:nvPr>
         </p:nvSpPr>
         <p:spPr>
@@ -3203,6 +3199,7 @@
               <a:rPr lang="pt-PT"/>
               <a:t>Clique para editar os estilos do texto de Modelo Global</a:t>
             </a:r>
+            <a:endParaRPr lang="pt-PT"/>
           </a:p>
         </p:txBody>
       </p:sp>
@@ -3223,7 +3220,6 @@
           <a:p>
             <a:fld id="{16D72014-0387-47C5-9292-4AE062E5E673}" type="datetimeFigureOut">
               <a:rPr lang="pt-PT" smtClean="0"/>
-              <a:t>20/05/2024</a:t>
             </a:fld>
             <a:endParaRPr lang="pt-PT"/>
           </a:p>
@@ -3265,18 +3261,12 @@
           <a:p>
             <a:fld id="{3A08C73C-B4BA-4D75-9DD8-4F5E0F561D4F}" type="slidenum">
               <a:rPr lang="pt-PT" smtClean="0"/>
-              <a:t>‹nº›</a:t>
             </a:fld>
             <a:endParaRPr lang="pt-PT"/>
           </a:p>
         </p:txBody>
       </p:sp>
     </p:spTree>
-    <p:extLst>
-      <p:ext uri="{BB962C8B-B14F-4D97-AF65-F5344CB8AC3E}">
-        <p14:creationId xmlns:p14="http://schemas.microsoft.com/office/powerpoint/2010/main" val="3802207416"/>
-      </p:ext>
-    </p:extLst>
   </p:cSld>
   <p:clrMapOvr>
     <a:masterClrMapping/>
@@ -3308,7 +3298,7 @@
             <a:spLocks noGrp="1"/>
           </p:cNvSpPr>
           <p:nvPr>
-            <p:ph type="title"/>
+            <p:ph type="title" hasCustomPrompt="1"/>
           </p:nvPr>
         </p:nvSpPr>
         <p:spPr/>
@@ -3331,7 +3321,7 @@
             <a:spLocks noGrp="1"/>
           </p:cNvSpPr>
           <p:nvPr>
-            <p:ph sz="half" idx="1"/>
+            <p:ph sz="half" idx="1" hasCustomPrompt="1"/>
           </p:nvPr>
         </p:nvSpPr>
         <p:spPr>
@@ -3349,6 +3339,7 @@
               <a:rPr lang="pt-PT"/>
               <a:t>Clique para editar os estilos do texto de Modelo Global</a:t>
             </a:r>
+            <a:endParaRPr lang="pt-PT"/>
           </a:p>
           <a:p>
             <a:pPr lvl="1"/>
@@ -3356,6 +3347,7 @@
               <a:rPr lang="pt-PT"/>
               <a:t>Segundo nível</a:t>
             </a:r>
+            <a:endParaRPr lang="pt-PT"/>
           </a:p>
           <a:p>
             <a:pPr lvl="2"/>
@@ -3363,6 +3355,7 @@
               <a:rPr lang="pt-PT"/>
               <a:t>Terceiro nível</a:t>
             </a:r>
+            <a:endParaRPr lang="pt-PT"/>
           </a:p>
           <a:p>
             <a:pPr lvl="3"/>
@@ -3370,6 +3363,7 @@
               <a:rPr lang="pt-PT"/>
               <a:t>Quarto nível</a:t>
             </a:r>
+            <a:endParaRPr lang="pt-PT"/>
           </a:p>
           <a:p>
             <a:pPr lvl="4"/>
@@ -3388,7 +3382,7 @@
             <a:spLocks noGrp="1"/>
           </p:cNvSpPr>
           <p:nvPr>
-            <p:ph sz="half" idx="2"/>
+            <p:ph sz="half" idx="2" hasCustomPrompt="1"/>
           </p:nvPr>
         </p:nvSpPr>
         <p:spPr>
@@ -3406,6 +3400,7 @@
               <a:rPr lang="pt-PT"/>
               <a:t>Clique para editar os estilos do texto de Modelo Global</a:t>
             </a:r>
+            <a:endParaRPr lang="pt-PT"/>
           </a:p>
           <a:p>
             <a:pPr lvl="1"/>
@@ -3413,6 +3408,7 @@
               <a:rPr lang="pt-PT"/>
               <a:t>Segundo nível</a:t>
             </a:r>
+            <a:endParaRPr lang="pt-PT"/>
           </a:p>
           <a:p>
             <a:pPr lvl="2"/>
@@ -3420,6 +3416,7 @@
               <a:rPr lang="pt-PT"/>
               <a:t>Terceiro nível</a:t>
             </a:r>
+            <a:endParaRPr lang="pt-PT"/>
           </a:p>
           <a:p>
             <a:pPr lvl="3"/>
@@ -3427,6 +3424,7 @@
               <a:rPr lang="pt-PT"/>
               <a:t>Quarto nível</a:t>
             </a:r>
+            <a:endParaRPr lang="pt-PT"/>
           </a:p>
           <a:p>
             <a:pPr lvl="4"/>
@@ -3455,7 +3453,6 @@
           <a:p>
             <a:fld id="{16D72014-0387-47C5-9292-4AE062E5E673}" type="datetimeFigureOut">
               <a:rPr lang="pt-PT" smtClean="0"/>
-              <a:t>20/05/2024</a:t>
             </a:fld>
             <a:endParaRPr lang="pt-PT"/>
           </a:p>
@@ -3497,18 +3494,12 @@
           <a:p>
             <a:fld id="{3A08C73C-B4BA-4D75-9DD8-4F5E0F561D4F}" type="slidenum">
               <a:rPr lang="pt-PT" smtClean="0"/>
-              <a:t>‹nº›</a:t>
             </a:fld>
             <a:endParaRPr lang="pt-PT"/>
           </a:p>
         </p:txBody>
       </p:sp>
     </p:spTree>
-    <p:extLst>
-      <p:ext uri="{BB962C8B-B14F-4D97-AF65-F5344CB8AC3E}">
-        <p14:creationId xmlns:p14="http://schemas.microsoft.com/office/powerpoint/2010/main" val="779312914"/>
-      </p:ext>
-    </p:extLst>
   </p:cSld>
   <p:clrMapOvr>
     <a:masterClrMapping/>
@@ -3540,7 +3531,7 @@
             <a:spLocks noGrp="1"/>
           </p:cNvSpPr>
           <p:nvPr>
-            <p:ph type="title"/>
+            <p:ph type="title" hasCustomPrompt="1"/>
           </p:nvPr>
         </p:nvSpPr>
         <p:spPr/>
@@ -3567,7 +3558,7 @@
             <a:spLocks noGrp="1"/>
           </p:cNvSpPr>
           <p:nvPr>
-            <p:ph type="body" idx="1"/>
+            <p:ph type="body" idx="1" hasCustomPrompt="1"/>
           </p:nvPr>
         </p:nvSpPr>
         <p:spPr>
@@ -3624,6 +3615,7 @@
               <a:rPr lang="pt-PT"/>
               <a:t>Clique para editar os estilos do texto de Modelo Global</a:t>
             </a:r>
+            <a:endParaRPr lang="pt-PT"/>
           </a:p>
         </p:txBody>
       </p:sp>
@@ -3634,7 +3626,7 @@
             <a:spLocks noGrp="1"/>
           </p:cNvSpPr>
           <p:nvPr>
-            <p:ph sz="half" idx="2"/>
+            <p:ph sz="half" idx="2" hasCustomPrompt="1"/>
           </p:nvPr>
         </p:nvSpPr>
         <p:spPr>
@@ -3654,6 +3646,7 @@
               <a:rPr lang="pt-PT"/>
               <a:t>Clique para editar os estilos do texto de Modelo Global</a:t>
             </a:r>
+            <a:endParaRPr lang="pt-PT"/>
           </a:p>
           <a:p>
             <a:pPr lvl="1"/>
@@ -3661,6 +3654,7 @@
               <a:rPr lang="pt-PT"/>
               <a:t>Segundo nível</a:t>
             </a:r>
+            <a:endParaRPr lang="pt-PT"/>
           </a:p>
           <a:p>
             <a:pPr lvl="2"/>
@@ -3668,6 +3662,7 @@
               <a:rPr lang="pt-PT"/>
               <a:t>Terceiro nível</a:t>
             </a:r>
+            <a:endParaRPr lang="pt-PT"/>
           </a:p>
           <a:p>
             <a:pPr lvl="3"/>
@@ -3675,6 +3670,7 @@
               <a:rPr lang="pt-PT"/>
               <a:t>Quarto nível</a:t>
             </a:r>
+            <a:endParaRPr lang="pt-PT"/>
           </a:p>
           <a:p>
             <a:pPr lvl="4"/>
@@ -3693,7 +3689,7 @@
             <a:spLocks noGrp="1"/>
           </p:cNvSpPr>
           <p:nvPr>
-            <p:ph type="body" sz="quarter" idx="3"/>
+            <p:ph type="body" sz="quarter" idx="3" hasCustomPrompt="1"/>
           </p:nvPr>
         </p:nvSpPr>
         <p:spPr>
@@ -3750,6 +3746,7 @@
               <a:rPr lang="pt-PT"/>
               <a:t>Clique para editar os estilos do texto de Modelo Global</a:t>
             </a:r>
+            <a:endParaRPr lang="pt-PT"/>
           </a:p>
         </p:txBody>
       </p:sp>
@@ -3760,7 +3757,7 @@
             <a:spLocks noGrp="1"/>
           </p:cNvSpPr>
           <p:nvPr>
-            <p:ph sz="quarter" idx="4"/>
+            <p:ph sz="quarter" idx="4" hasCustomPrompt="1"/>
           </p:nvPr>
         </p:nvSpPr>
         <p:spPr>
@@ -3780,6 +3777,7 @@
               <a:rPr lang="pt-PT"/>
               <a:t>Clique para editar os estilos do texto de Modelo Global</a:t>
             </a:r>
+            <a:endParaRPr lang="pt-PT"/>
           </a:p>
           <a:p>
             <a:pPr lvl="1"/>
@@ -3787,6 +3785,7 @@
               <a:rPr lang="pt-PT"/>
               <a:t>Segundo nível</a:t>
             </a:r>
+            <a:endParaRPr lang="pt-PT"/>
           </a:p>
           <a:p>
             <a:pPr lvl="2"/>
@@ -3794,6 +3793,7 @@
               <a:rPr lang="pt-PT"/>
               <a:t>Terceiro nível</a:t>
             </a:r>
+            <a:endParaRPr lang="pt-PT"/>
           </a:p>
           <a:p>
             <a:pPr lvl="3"/>
@@ -3801,6 +3801,7 @@
               <a:rPr lang="pt-PT"/>
               <a:t>Quarto nível</a:t>
             </a:r>
+            <a:endParaRPr lang="pt-PT"/>
           </a:p>
           <a:p>
             <a:pPr lvl="4"/>
@@ -3829,7 +3830,6 @@
           <a:p>
             <a:fld id="{16D72014-0387-47C5-9292-4AE062E5E673}" type="datetimeFigureOut">
               <a:rPr lang="pt-PT" smtClean="0"/>
-              <a:t>20/05/2024</a:t>
             </a:fld>
             <a:endParaRPr lang="pt-PT"/>
           </a:p>
@@ -3871,18 +3871,12 @@
           <a:p>
             <a:fld id="{3A08C73C-B4BA-4D75-9DD8-4F5E0F561D4F}" type="slidenum">
               <a:rPr lang="pt-PT" smtClean="0"/>
-              <a:t>‹nº›</a:t>
             </a:fld>
             <a:endParaRPr lang="pt-PT"/>
           </a:p>
         </p:txBody>
       </p:sp>
     </p:spTree>
-    <p:extLst>
-      <p:ext uri="{BB962C8B-B14F-4D97-AF65-F5344CB8AC3E}">
-        <p14:creationId xmlns:p14="http://schemas.microsoft.com/office/powerpoint/2010/main" val="203993720"/>
-      </p:ext>
-    </p:extLst>
   </p:cSld>
   <p:clrMapOvr>
     <a:masterClrMapping/>
@@ -3914,7 +3908,7 @@
             <a:spLocks noGrp="1"/>
           </p:cNvSpPr>
           <p:nvPr>
-            <p:ph type="title"/>
+            <p:ph type="title" hasCustomPrompt="1"/>
           </p:nvPr>
         </p:nvSpPr>
         <p:spPr>
@@ -3952,7 +3946,6 @@
           <a:p>
             <a:fld id="{16D72014-0387-47C5-9292-4AE062E5E673}" type="datetimeFigureOut">
               <a:rPr lang="pt-PT" smtClean="0"/>
-              <a:t>20/05/2024</a:t>
             </a:fld>
             <a:endParaRPr lang="pt-PT"/>
           </a:p>
@@ -3994,18 +3987,12 @@
           <a:p>
             <a:fld id="{3A08C73C-B4BA-4D75-9DD8-4F5E0F561D4F}" type="slidenum">
               <a:rPr lang="pt-PT" smtClean="0"/>
-              <a:t>‹nº›</a:t>
             </a:fld>
             <a:endParaRPr lang="pt-PT"/>
           </a:p>
         </p:txBody>
       </p:sp>
     </p:spTree>
-    <p:extLst>
-      <p:ext uri="{BB962C8B-B14F-4D97-AF65-F5344CB8AC3E}">
-        <p14:creationId xmlns:p14="http://schemas.microsoft.com/office/powerpoint/2010/main" val="2460985104"/>
-      </p:ext>
-    </p:extLst>
   </p:cSld>
   <p:clrMapOvr>
     <a:masterClrMapping/>
@@ -4047,7 +4034,6 @@
           <a:p>
             <a:fld id="{16D72014-0387-47C5-9292-4AE062E5E673}" type="datetimeFigureOut">
               <a:rPr lang="pt-PT" smtClean="0"/>
-              <a:t>20/05/2024</a:t>
             </a:fld>
             <a:endParaRPr lang="pt-PT"/>
           </a:p>
@@ -4089,18 +4075,12 @@
           <a:p>
             <a:fld id="{3A08C73C-B4BA-4D75-9DD8-4F5E0F561D4F}" type="slidenum">
               <a:rPr lang="pt-PT" smtClean="0"/>
-              <a:t>‹nº›</a:t>
             </a:fld>
             <a:endParaRPr lang="pt-PT"/>
           </a:p>
         </p:txBody>
       </p:sp>
     </p:spTree>
-    <p:extLst>
-      <p:ext uri="{BB962C8B-B14F-4D97-AF65-F5344CB8AC3E}">
-        <p14:creationId xmlns:p14="http://schemas.microsoft.com/office/powerpoint/2010/main" val="4195952812"/>
-      </p:ext>
-    </p:extLst>
   </p:cSld>
   <p:clrMapOvr>
     <a:masterClrMapping/>
@@ -4132,7 +4112,7 @@
             <a:spLocks noGrp="1"/>
           </p:cNvSpPr>
           <p:nvPr>
-            <p:ph type="title"/>
+            <p:ph type="title" hasCustomPrompt="1"/>
           </p:nvPr>
         </p:nvSpPr>
         <p:spPr>
@@ -4166,7 +4146,7 @@
             <a:spLocks noGrp="1"/>
           </p:cNvSpPr>
           <p:nvPr>
-            <p:ph idx="1"/>
+            <p:ph idx="1" hasCustomPrompt="1"/>
           </p:nvPr>
         </p:nvSpPr>
         <p:spPr>
@@ -4186,6 +4166,7 @@
               <a:rPr lang="pt-PT"/>
               <a:t>Clique para editar os estilos do texto de Modelo Global</a:t>
             </a:r>
+            <a:endParaRPr lang="pt-PT"/>
           </a:p>
           <a:p>
             <a:pPr lvl="1"/>
@@ -4193,6 +4174,7 @@
               <a:rPr lang="pt-PT"/>
               <a:t>Segundo nível</a:t>
             </a:r>
+            <a:endParaRPr lang="pt-PT"/>
           </a:p>
           <a:p>
             <a:pPr lvl="2"/>
@@ -4200,6 +4182,7 @@
               <a:rPr lang="pt-PT"/>
               <a:t>Terceiro nível</a:t>
             </a:r>
+            <a:endParaRPr lang="pt-PT"/>
           </a:p>
           <a:p>
             <a:pPr lvl="3"/>
@@ -4207,6 +4190,7 @@
               <a:rPr lang="pt-PT"/>
               <a:t>Quarto nível</a:t>
             </a:r>
+            <a:endParaRPr lang="pt-PT"/>
           </a:p>
           <a:p>
             <a:pPr lvl="4"/>
@@ -4225,7 +4209,7 @@
             <a:spLocks noGrp="1"/>
           </p:cNvSpPr>
           <p:nvPr>
-            <p:ph type="body" sz="half" idx="2"/>
+            <p:ph type="body" sz="half" idx="2" hasCustomPrompt="1"/>
           </p:nvPr>
         </p:nvSpPr>
         <p:spPr>
@@ -4243,35 +4227,35 @@
               <a:buNone/>
               <a:defRPr sz="1400"/>
             </a:lvl1pPr>
-            <a:lvl2pPr marL="457063" indent="0">
+            <a:lvl2pPr marL="457200" indent="0">
               <a:buNone/>
               <a:defRPr sz="1400"/>
             </a:lvl2pPr>
-            <a:lvl3pPr marL="914126" indent="0">
+            <a:lvl3pPr marL="914400" indent="0">
               <a:buNone/>
               <a:defRPr sz="1200"/>
             </a:lvl3pPr>
-            <a:lvl4pPr marL="1371189" indent="0">
+            <a:lvl4pPr marL="1370965" indent="0">
               <a:buNone/>
               <a:defRPr sz="1000"/>
             </a:lvl4pPr>
-            <a:lvl5pPr marL="1828251" indent="0">
+            <a:lvl5pPr marL="1828165" indent="0">
               <a:buNone/>
               <a:defRPr sz="1000"/>
             </a:lvl5pPr>
-            <a:lvl6pPr marL="2285314" indent="0">
+            <a:lvl6pPr marL="2285365" indent="0">
               <a:buNone/>
               <a:defRPr sz="1000"/>
             </a:lvl6pPr>
-            <a:lvl7pPr marL="2742377" indent="0">
+            <a:lvl7pPr marL="2742565" indent="0">
               <a:buNone/>
               <a:defRPr sz="1000"/>
             </a:lvl7pPr>
-            <a:lvl8pPr marL="3199440" indent="0">
+            <a:lvl8pPr marL="3199130" indent="0">
               <a:buNone/>
               <a:defRPr sz="1000"/>
             </a:lvl8pPr>
-            <a:lvl9pPr marL="3656503" indent="0">
+            <a:lvl9pPr marL="3656330" indent="0">
               <a:buNone/>
               <a:defRPr sz="1000"/>
             </a:lvl9pPr>
@@ -4282,6 +4266,7 @@
               <a:rPr lang="pt-PT"/>
               <a:t>Clique para editar os estilos do texto de Modelo Global</a:t>
             </a:r>
+            <a:endParaRPr lang="pt-PT"/>
           </a:p>
         </p:txBody>
       </p:sp>
@@ -4302,7 +4287,6 @@
           <a:p>
             <a:fld id="{16D72014-0387-47C5-9292-4AE062E5E673}" type="datetimeFigureOut">
               <a:rPr lang="pt-PT" smtClean="0"/>
-              <a:t>20/05/2024</a:t>
             </a:fld>
             <a:endParaRPr lang="pt-PT"/>
           </a:p>
@@ -4344,18 +4328,12 @@
           <a:p>
             <a:fld id="{3A08C73C-B4BA-4D75-9DD8-4F5E0F561D4F}" type="slidenum">
               <a:rPr lang="pt-PT" smtClean="0"/>
-              <a:t>‹nº›</a:t>
             </a:fld>
             <a:endParaRPr lang="pt-PT"/>
           </a:p>
         </p:txBody>
       </p:sp>
     </p:spTree>
-    <p:extLst>
-      <p:ext uri="{BB962C8B-B14F-4D97-AF65-F5344CB8AC3E}">
-        <p14:creationId xmlns:p14="http://schemas.microsoft.com/office/powerpoint/2010/main" val="2611652451"/>
-      </p:ext>
-    </p:extLst>
   </p:cSld>
   <p:clrMapOvr>
     <a:masterClrMapping/>
@@ -4387,7 +4365,7 @@
             <a:spLocks noGrp="1"/>
           </p:cNvSpPr>
           <p:nvPr>
-            <p:ph type="title"/>
+            <p:ph type="title" hasCustomPrompt="1"/>
           </p:nvPr>
         </p:nvSpPr>
         <p:spPr>
@@ -4488,7 +4466,7 @@
             <a:spLocks noGrp="1"/>
           </p:cNvSpPr>
           <p:nvPr>
-            <p:ph type="body" sz="half" idx="2"/>
+            <p:ph type="body" sz="half" idx="2" hasCustomPrompt="1"/>
           </p:nvPr>
         </p:nvSpPr>
         <p:spPr>
@@ -4545,6 +4523,7 @@
               <a:rPr lang="pt-PT"/>
               <a:t>Clique para editar os estilos do texto de Modelo Global</a:t>
             </a:r>
+            <a:endParaRPr lang="pt-PT"/>
           </a:p>
         </p:txBody>
       </p:sp>
@@ -4565,7 +4544,6 @@
           <a:p>
             <a:fld id="{16D72014-0387-47C5-9292-4AE062E5E673}" type="datetimeFigureOut">
               <a:rPr lang="pt-PT" smtClean="0"/>
-              <a:t>20/05/2024</a:t>
             </a:fld>
             <a:endParaRPr lang="pt-PT"/>
           </a:p>
@@ -4607,18 +4585,12 @@
           <a:p>
             <a:fld id="{3A08C73C-B4BA-4D75-9DD8-4F5E0F561D4F}" type="slidenum">
               <a:rPr lang="pt-PT" smtClean="0"/>
-              <a:t>‹nº›</a:t>
             </a:fld>
             <a:endParaRPr lang="pt-PT"/>
           </a:p>
         </p:txBody>
       </p:sp>
     </p:spTree>
-    <p:extLst>
-      <p:ext uri="{BB962C8B-B14F-4D97-AF65-F5344CB8AC3E}">
-        <p14:creationId xmlns:p14="http://schemas.microsoft.com/office/powerpoint/2010/main" val="2237446403"/>
-      </p:ext>
-    </p:extLst>
   </p:cSld>
   <p:clrMapOvr>
     <a:masterClrMapping/>
@@ -5241,6 +5213,7 @@
               <a:rPr lang="pt-PT"/>
               <a:t>Clique para editar os estilos do texto de Modelo Global</a:t>
             </a:r>
+            <a:endParaRPr lang="pt-PT"/>
           </a:p>
           <a:p>
             <a:pPr lvl="1"/>
@@ -5248,6 +5221,7 @@
               <a:rPr lang="pt-PT"/>
               <a:t>Segundo nível</a:t>
             </a:r>
+            <a:endParaRPr lang="pt-PT"/>
           </a:p>
           <a:p>
             <a:pPr lvl="2"/>
@@ -5255,6 +5229,7 @@
               <a:rPr lang="pt-PT"/>
               <a:t>Terceiro nível</a:t>
             </a:r>
+            <a:endParaRPr lang="pt-PT"/>
           </a:p>
           <a:p>
             <a:pPr lvl="3"/>
@@ -5262,6 +5237,7 @@
               <a:rPr lang="pt-PT"/>
               <a:t>Quarto nível</a:t>
             </a:r>
+            <a:endParaRPr lang="pt-PT"/>
           </a:p>
           <a:p>
             <a:pPr lvl="4"/>
@@ -5308,7 +5284,6 @@
           <a:p>
             <a:fld id="{16D72014-0387-47C5-9292-4AE062E5E673}" type="datetimeFigureOut">
               <a:rPr lang="pt-PT" smtClean="0"/>
-              <a:t>20/05/2024</a:t>
             </a:fld>
             <a:endParaRPr lang="pt-PT"/>
           </a:p>
@@ -5384,37 +5359,31 @@
           <a:p>
             <a:fld id="{3A08C73C-B4BA-4D75-9DD8-4F5E0F561D4F}" type="slidenum">
               <a:rPr lang="pt-PT" smtClean="0"/>
-              <a:t>‹nº›</a:t>
             </a:fld>
             <a:endParaRPr lang="pt-PT"/>
           </a:p>
         </p:txBody>
       </p:sp>
     </p:spTree>
-    <p:extLst>
-      <p:ext uri="{BB962C8B-B14F-4D97-AF65-F5344CB8AC3E}">
-        <p14:creationId xmlns:p14="http://schemas.microsoft.com/office/powerpoint/2010/main" val="248853662"/>
-      </p:ext>
-    </p:extLst>
   </p:cSld>
   <p:clrMap bg1="lt1" tx1="dk1" bg2="lt2" tx2="dk2" accent1="accent1" accent2="accent2" accent3="accent3" accent4="accent4" accent5="accent5" accent6="accent6" hlink="hlink" folHlink="folHlink"/>
   <p:sldLayoutIdLst>
-    <p:sldLayoutId id="2147483661" r:id="rId1"/>
-    <p:sldLayoutId id="2147483662" r:id="rId2"/>
-    <p:sldLayoutId id="2147483663" r:id="rId3"/>
-    <p:sldLayoutId id="2147483664" r:id="rId4"/>
-    <p:sldLayoutId id="2147483665" r:id="rId5"/>
-    <p:sldLayoutId id="2147483666" r:id="rId6"/>
-    <p:sldLayoutId id="2147483667" r:id="rId7"/>
-    <p:sldLayoutId id="2147483668" r:id="rId8"/>
-    <p:sldLayoutId id="2147483669" r:id="rId9"/>
-    <p:sldLayoutId id="2147483670" r:id="rId10"/>
-    <p:sldLayoutId id="2147483671" r:id="rId11"/>
-    <p:sldLayoutId id="2147483672" r:id="rId12"/>
-    <p:sldLayoutId id="2147483673" r:id="rId13"/>
-    <p:sldLayoutId id="2147483674" r:id="rId14"/>
-    <p:sldLayoutId id="2147483675" r:id="rId15"/>
-    <p:sldLayoutId id="2147483676" r:id="rId16"/>
+    <p:sldLayoutId id="2147483649" r:id="rId1"/>
+    <p:sldLayoutId id="2147483650" r:id="rId2"/>
+    <p:sldLayoutId id="2147483651" r:id="rId3"/>
+    <p:sldLayoutId id="2147483652" r:id="rId4"/>
+    <p:sldLayoutId id="2147483653" r:id="rId5"/>
+    <p:sldLayoutId id="2147483654" r:id="rId6"/>
+    <p:sldLayoutId id="2147483655" r:id="rId7"/>
+    <p:sldLayoutId id="2147483656" r:id="rId8"/>
+    <p:sldLayoutId id="2147483657" r:id="rId9"/>
+    <p:sldLayoutId id="2147483658" r:id="rId10"/>
+    <p:sldLayoutId id="2147483659" r:id="rId11"/>
+    <p:sldLayoutId id="2147483660" r:id="rId12"/>
+    <p:sldLayoutId id="2147483661" r:id="rId13"/>
+    <p:sldLayoutId id="2147483662" r:id="rId14"/>
+    <p:sldLayoutId id="2147483663" r:id="rId15"/>
+    <p:sldLayoutId id="2147483664" r:id="rId16"/>
   </p:sldLayoutIdLst>
   <p:txStyles>
     <p:titleStyle>
@@ -5834,13 +5803,7 @@
       </p:grpSpPr>
       <p:sp>
         <p:nvSpPr>
-          <p:cNvPr id="2" name="Título 1">
-            <a:extLst>
-              <a:ext uri="{FF2B5EF4-FFF2-40B4-BE49-F238E27FC236}">
-                <a16:creationId xmlns:a16="http://schemas.microsoft.com/office/drawing/2014/main" id="{57CB9851-91F0-BC45-538A-3F4B98E7D306}"/>
-              </a:ext>
-            </a:extLst>
-          </p:cNvPr>
+          <p:cNvPr id="2" name="Título 1"/>
           <p:cNvSpPr>
             <a:spLocks noGrp="1"/>
           </p:cNvSpPr>
@@ -5879,13 +5842,7 @@
       </p:sp>
       <p:sp>
         <p:nvSpPr>
-          <p:cNvPr id="3" name="Subtítulo 2">
-            <a:extLst>
-              <a:ext uri="{FF2B5EF4-FFF2-40B4-BE49-F238E27FC236}">
-                <a16:creationId xmlns:a16="http://schemas.microsoft.com/office/drawing/2014/main" id="{CEA51A17-B3FF-C6C0-609D-629FFAEBE87D}"/>
-              </a:ext>
-            </a:extLst>
-          </p:cNvPr>
+          <p:cNvPr id="3" name="Subtítulo 2"/>
           <p:cNvSpPr>
             <a:spLocks noGrp="1"/>
           </p:cNvSpPr>
@@ -5909,18 +5866,21 @@
               <a:rPr lang="pt-PT" dirty="0"/>
               <a:t>Trabalho realizado por:</a:t>
             </a:r>
+            <a:endParaRPr lang="pt-PT" dirty="0"/>
           </a:p>
           <a:p>
             <a:r>
               <a:rPr lang="pt-PT" dirty="0"/>
               <a:t>Rui Pereira nº42619</a:t>
             </a:r>
+            <a:endParaRPr lang="pt-PT" dirty="0"/>
           </a:p>
           <a:p>
             <a:r>
               <a:rPr lang="pt-PT" dirty="0"/>
               <a:t>Bruno Silva nº42824</a:t>
             </a:r>
+            <a:endParaRPr lang="pt-PT" dirty="0"/>
           </a:p>
           <a:p>
             <a:r>
@@ -5929,21 +5889,17 @@
             </a:r>
             <a:r>
               <a:rPr lang="pt-PT" dirty="0" err="1"/>
-              <a:t>Toronste</a:t>
+              <a:t>Gonçalves</a:t>
             </a:r>
             <a:r>
               <a:rPr lang="pt-PT" dirty="0"/>
               <a:t> nº43087</a:t>
             </a:r>
+            <a:endParaRPr lang="pt-PT" dirty="0"/>
           </a:p>
         </p:txBody>
       </p:sp>
     </p:spTree>
-    <p:extLst>
-      <p:ext uri="{BB962C8B-B14F-4D97-AF65-F5344CB8AC3E}">
-        <p14:creationId xmlns:p14="http://schemas.microsoft.com/office/powerpoint/2010/main" val="952510979"/>
-      </p:ext>
-    </p:extLst>
   </p:cSld>
   <p:clrMapOvr>
     <a:masterClrMapping/>
@@ -5970,13 +5926,7 @@
       </p:grpSpPr>
       <p:sp>
         <p:nvSpPr>
-          <p:cNvPr id="2" name="Título 1">
-            <a:extLst>
-              <a:ext uri="{FF2B5EF4-FFF2-40B4-BE49-F238E27FC236}">
-                <a16:creationId xmlns:a16="http://schemas.microsoft.com/office/drawing/2014/main" id="{8C144C63-C0BA-1B4D-9193-A45E3C298556}"/>
-              </a:ext>
-            </a:extLst>
-          </p:cNvPr>
+          <p:cNvPr id="2" name="Título 1"/>
           <p:cNvSpPr>
             <a:spLocks noGrp="1"/>
           </p:cNvSpPr>
@@ -5993,18 +5943,13 @@
               <a:rPr lang="pt-PT" dirty="0"/>
               <a:t>Introdução</a:t>
             </a:r>
-          </a:p>
-        </p:txBody>
-      </p:sp>
-      <p:sp>
-        <p:nvSpPr>
-          <p:cNvPr id="3" name="Marcador de Posição de Conteúdo 2">
-            <a:extLst>
-              <a:ext uri="{FF2B5EF4-FFF2-40B4-BE49-F238E27FC236}">
-                <a16:creationId xmlns:a16="http://schemas.microsoft.com/office/drawing/2014/main" id="{58BCDB56-0373-5B7C-F654-8B7D2F743EA4}"/>
-              </a:ext>
-            </a:extLst>
-          </p:cNvPr>
+            <a:endParaRPr lang="pt-PT" dirty="0"/>
+          </a:p>
+        </p:txBody>
+      </p:sp>
+      <p:sp>
+        <p:nvSpPr>
+          <p:cNvPr id="3" name="Marcador de Posição de Conteúdo 2"/>
           <p:cNvSpPr>
             <a:spLocks noGrp="1"/>
           </p:cNvSpPr>
@@ -6045,15 +5990,11 @@
               <a:rPr lang="pt-PT" dirty="0"/>
               <a:t> (RLE) é um método simples de compressão de dados que é particularmente eficaz em dados que contêm muitas sequências repetidas. A ideia principal por trás do RLE é reduzir o tamanho dos dados ao substituir sequências de elementos repetidos por um único valor seguido pelo número de repetições.</a:t>
             </a:r>
+            <a:endParaRPr lang="pt-PT" dirty="0"/>
           </a:p>
         </p:txBody>
       </p:sp>
     </p:spTree>
-    <p:extLst>
-      <p:ext uri="{BB962C8B-B14F-4D97-AF65-F5344CB8AC3E}">
-        <p14:creationId xmlns:p14="http://schemas.microsoft.com/office/powerpoint/2010/main" val="2772923185"/>
-      </p:ext>
-    </p:extLst>
   </p:cSld>
   <p:clrMapOvr>
     <a:masterClrMapping/>
@@ -6080,13 +6021,7 @@
       </p:grpSpPr>
       <p:sp>
         <p:nvSpPr>
-          <p:cNvPr id="2" name="Título 1">
-            <a:extLst>
-              <a:ext uri="{FF2B5EF4-FFF2-40B4-BE49-F238E27FC236}">
-                <a16:creationId xmlns:a16="http://schemas.microsoft.com/office/drawing/2014/main" id="{00E08DEF-3865-6FC8-1C79-4E122308CFC7}"/>
-              </a:ext>
-            </a:extLst>
-          </p:cNvPr>
+          <p:cNvPr id="2" name="Título 1"/>
           <p:cNvSpPr>
             <a:spLocks noGrp="1"/>
           </p:cNvSpPr>
@@ -6103,18 +6038,13 @@
               <a:rPr lang="pt-PT" dirty="0"/>
               <a:t>Como funciona a compressão?</a:t>
             </a:r>
+            <a:endParaRPr lang="pt-PT" dirty="0"/>
           </a:p>
         </p:txBody>
       </p:sp>
       <p:pic>
         <p:nvPicPr>
-          <p:cNvPr id="1026" name="Picture 2">
-            <a:extLst>
-              <a:ext uri="{FF2B5EF4-FFF2-40B4-BE49-F238E27FC236}">
-                <a16:creationId xmlns:a16="http://schemas.microsoft.com/office/drawing/2014/main" id="{7BD50C59-4F05-A466-D181-0ABB34368412}"/>
-              </a:ext>
-            </a:extLst>
-          </p:cNvPr>
+          <p:cNvPr id="1026" name="Picture 2"/>
           <p:cNvPicPr>
             <a:picLocks noGrp="1" noChangeAspect="1" noChangeArrowheads="1"/>
           </p:cNvPicPr>
@@ -6123,7 +6053,7 @@
           </p:nvPr>
         </p:nvPicPr>
         <p:blipFill>
-          <a:blip r:embed="rId2">
+          <a:blip r:embed="rId1">
             <a:extLst>
               <a:ext uri="{28A0092B-C50C-407E-A947-70E740481C1C}">
                 <a14:useLocalDpi xmlns:a14="http://schemas.microsoft.com/office/drawing/2010/main" val="0"/>
@@ -6157,20 +6087,14 @@
       </p:pic>
       <p:pic>
         <p:nvPicPr>
-          <p:cNvPr id="1028" name="Picture 4">
-            <a:extLst>
-              <a:ext uri="{FF2B5EF4-FFF2-40B4-BE49-F238E27FC236}">
-                <a16:creationId xmlns:a16="http://schemas.microsoft.com/office/drawing/2014/main" id="{DAD17B6E-CDA2-2915-3A86-A70302366012}"/>
-              </a:ext>
-            </a:extLst>
-          </p:cNvPr>
+          <p:cNvPr id="1028" name="Picture 4"/>
           <p:cNvPicPr>
             <a:picLocks noChangeAspect="1" noChangeArrowheads="1"/>
           </p:cNvPicPr>
           <p:nvPr/>
         </p:nvPicPr>
         <p:blipFill>
-          <a:blip r:embed="rId3">
+          <a:blip r:embed="rId2">
             <a:extLst>
               <a:ext uri="{28A0092B-C50C-407E-A947-70E740481C1C}">
                 <a14:useLocalDpi xmlns:a14="http://schemas.microsoft.com/office/drawing/2010/main" val="0"/>
@@ -6204,20 +6128,14 @@
       </p:pic>
       <p:pic>
         <p:nvPicPr>
-          <p:cNvPr id="1030" name="Picture 6">
-            <a:extLst>
-              <a:ext uri="{FF2B5EF4-FFF2-40B4-BE49-F238E27FC236}">
-                <a16:creationId xmlns:a16="http://schemas.microsoft.com/office/drawing/2014/main" id="{BFECC4EF-5AED-E165-4276-88A9230BFCA6}"/>
-              </a:ext>
-            </a:extLst>
-          </p:cNvPr>
+          <p:cNvPr id="1030" name="Picture 6"/>
           <p:cNvPicPr>
             <a:picLocks noChangeAspect="1" noChangeArrowheads="1"/>
           </p:cNvPicPr>
           <p:nvPr/>
         </p:nvPicPr>
         <p:blipFill>
-          <a:blip r:embed="rId4">
+          <a:blip r:embed="rId3">
             <a:extLst>
               <a:ext uri="{28A0092B-C50C-407E-A947-70E740481C1C}">
                 <a14:useLocalDpi xmlns:a14="http://schemas.microsoft.com/office/drawing/2010/main" val="0"/>
@@ -6250,11 +6168,6 @@
         </p:spPr>
       </p:pic>
     </p:spTree>
-    <p:extLst>
-      <p:ext uri="{BB962C8B-B14F-4D97-AF65-F5344CB8AC3E}">
-        <p14:creationId xmlns:p14="http://schemas.microsoft.com/office/powerpoint/2010/main" val="1446356922"/>
-      </p:ext>
-    </p:extLst>
   </p:cSld>
   <p:clrMapOvr>
     <a:masterClrMapping/>
@@ -6281,13 +6194,7 @@
       </p:grpSpPr>
       <p:sp>
         <p:nvSpPr>
-          <p:cNvPr id="2" name="Título 1">
-            <a:extLst>
-              <a:ext uri="{FF2B5EF4-FFF2-40B4-BE49-F238E27FC236}">
-                <a16:creationId xmlns:a16="http://schemas.microsoft.com/office/drawing/2014/main" id="{C08F3E3E-C55A-559B-7453-5AFB37D7B89D}"/>
-              </a:ext>
-            </a:extLst>
-          </p:cNvPr>
+          <p:cNvPr id="2" name="Título 1"/>
           <p:cNvSpPr>
             <a:spLocks noGrp="1"/>
           </p:cNvSpPr>
@@ -6304,18 +6211,13 @@
               <a:rPr lang="pt-PT" dirty="0"/>
               <a:t>Como funciona a descompressão?</a:t>
             </a:r>
+            <a:endParaRPr lang="pt-PT" dirty="0"/>
           </a:p>
         </p:txBody>
       </p:sp>
       <p:pic>
         <p:nvPicPr>
-          <p:cNvPr id="2050" name="Picture 2">
-            <a:extLst>
-              <a:ext uri="{FF2B5EF4-FFF2-40B4-BE49-F238E27FC236}">
-                <a16:creationId xmlns:a16="http://schemas.microsoft.com/office/drawing/2014/main" id="{E1A38C1F-1B5F-7AB9-D392-EEA16F163D44}"/>
-              </a:ext>
-            </a:extLst>
-          </p:cNvPr>
+          <p:cNvPr id="2050" name="Picture 2"/>
           <p:cNvPicPr>
             <a:picLocks noGrp="1" noChangeAspect="1" noChangeArrowheads="1"/>
           </p:cNvPicPr>
@@ -6324,7 +6226,7 @@
           </p:nvPr>
         </p:nvPicPr>
         <p:blipFill>
-          <a:blip r:embed="rId2">
+          <a:blip r:embed="rId1">
             <a:extLst>
               <a:ext uri="{28A0092B-C50C-407E-A947-70E740481C1C}">
                 <a14:useLocalDpi xmlns:a14="http://schemas.microsoft.com/office/drawing/2010/main" val="0"/>
@@ -6358,20 +6260,14 @@
       </p:pic>
       <p:pic>
         <p:nvPicPr>
-          <p:cNvPr id="2054" name="Picture 6">
-            <a:extLst>
-              <a:ext uri="{FF2B5EF4-FFF2-40B4-BE49-F238E27FC236}">
-                <a16:creationId xmlns:a16="http://schemas.microsoft.com/office/drawing/2014/main" id="{1E3CF428-2171-3DBA-23D7-278F4D5D894E}"/>
-              </a:ext>
-            </a:extLst>
-          </p:cNvPr>
+          <p:cNvPr id="2054" name="Picture 6"/>
           <p:cNvPicPr>
             <a:picLocks noChangeAspect="1" noChangeArrowheads="1"/>
           </p:cNvPicPr>
           <p:nvPr/>
         </p:nvPicPr>
         <p:blipFill>
-          <a:blip r:embed="rId3">
+          <a:blip r:embed="rId2">
             <a:extLst>
               <a:ext uri="{28A0092B-C50C-407E-A947-70E740481C1C}">
                 <a14:useLocalDpi xmlns:a14="http://schemas.microsoft.com/office/drawing/2010/main" val="0"/>
@@ -6405,20 +6301,14 @@
       </p:pic>
       <p:pic>
         <p:nvPicPr>
-          <p:cNvPr id="2056" name="Picture 8">
-            <a:extLst>
-              <a:ext uri="{FF2B5EF4-FFF2-40B4-BE49-F238E27FC236}">
-                <a16:creationId xmlns:a16="http://schemas.microsoft.com/office/drawing/2014/main" id="{24C8D5F5-7F51-C882-3151-1C3C822F6AA5}"/>
-              </a:ext>
-            </a:extLst>
-          </p:cNvPr>
+          <p:cNvPr id="2056" name="Picture 8"/>
           <p:cNvPicPr>
             <a:picLocks noChangeAspect="1" noChangeArrowheads="1"/>
           </p:cNvPicPr>
           <p:nvPr/>
         </p:nvPicPr>
         <p:blipFill>
-          <a:blip r:embed="rId4">
+          <a:blip r:embed="rId3">
             <a:extLst>
               <a:ext uri="{28A0092B-C50C-407E-A947-70E740481C1C}">
                 <a14:useLocalDpi xmlns:a14="http://schemas.microsoft.com/office/drawing/2010/main" val="0"/>
@@ -6451,11 +6341,6 @@
         </p:spPr>
       </p:pic>
     </p:spTree>
-    <p:extLst>
-      <p:ext uri="{BB962C8B-B14F-4D97-AF65-F5344CB8AC3E}">
-        <p14:creationId xmlns:p14="http://schemas.microsoft.com/office/powerpoint/2010/main" val="1194924395"/>
-      </p:ext>
-    </p:extLst>
   </p:cSld>
   <p:clrMapOvr>
     <a:masterClrMapping/>
@@ -6482,13 +6367,7 @@
       </p:grpSpPr>
       <p:sp>
         <p:nvSpPr>
-          <p:cNvPr id="2" name="Título 1">
-            <a:extLst>
-              <a:ext uri="{FF2B5EF4-FFF2-40B4-BE49-F238E27FC236}">
-                <a16:creationId xmlns:a16="http://schemas.microsoft.com/office/drawing/2014/main" id="{49C241A1-23B5-4824-AE4A-9BF2104D45C4}"/>
-              </a:ext>
-            </a:extLst>
-          </p:cNvPr>
+          <p:cNvPr id="2" name="Título 1"/>
           <p:cNvSpPr>
             <a:spLocks noGrp="1"/>
           </p:cNvSpPr>
@@ -6505,18 +6384,13 @@
               <a:rPr lang="pt-PT" dirty="0"/>
               <a:t>Eficiência</a:t>
             </a:r>
-          </a:p>
-        </p:txBody>
-      </p:sp>
-      <p:sp>
-        <p:nvSpPr>
-          <p:cNvPr id="3" name="Marcador de Posição de Conteúdo 2">
-            <a:extLst>
-              <a:ext uri="{FF2B5EF4-FFF2-40B4-BE49-F238E27FC236}">
-                <a16:creationId xmlns:a16="http://schemas.microsoft.com/office/drawing/2014/main" id="{D8207754-C2F7-EB3F-E8FA-CDD3C3FAE6E0}"/>
-              </a:ext>
-            </a:extLst>
-          </p:cNvPr>
+            <a:endParaRPr lang="pt-PT" dirty="0"/>
+          </a:p>
+        </p:txBody>
+      </p:sp>
+      <p:sp>
+        <p:nvSpPr>
+          <p:cNvPr id="3" name="Marcador de Posição de Conteúdo 2"/>
           <p:cNvSpPr>
             <a:spLocks noGrp="1"/>
           </p:cNvSpPr>
@@ -6543,6 +6417,7 @@
               <a:rPr lang="pt-PT" dirty="0"/>
               <a:t>A eficiência depende do número de ocorrências de caracteres e a média do comprimento de repetições de caracteres. </a:t>
             </a:r>
+            <a:endParaRPr lang="pt-PT" dirty="0"/>
           </a:p>
           <a:p>
             <a:endParaRPr lang="pt-PT" dirty="0"/>
@@ -6560,18 +6435,13 @@
               <a:rPr lang="pt-PT" u="sng" dirty="0"/>
               <a:t>tamanho de dados não comprimidos</a:t>
             </a:r>
-          </a:p>
-        </p:txBody>
-      </p:sp>
-      <p:sp>
-        <p:nvSpPr>
-          <p:cNvPr id="4" name="CaixaDeTexto 3">
-            <a:extLst>
-              <a:ext uri="{FF2B5EF4-FFF2-40B4-BE49-F238E27FC236}">
-                <a16:creationId xmlns:a16="http://schemas.microsoft.com/office/drawing/2014/main" id="{22190F57-ECE7-22D9-F9A1-4340C17928FB}"/>
-              </a:ext>
-            </a:extLst>
-          </p:cNvPr>
+            <a:endParaRPr lang="pt-PT" u="sng" dirty="0"/>
+          </a:p>
+        </p:txBody>
+      </p:sp>
+      <p:sp>
+        <p:nvSpPr>
+          <p:cNvPr id="4" name="CaixaDeTexto 3"/>
           <p:cNvSpPr txBox="1"/>
           <p:nvPr/>
         </p:nvSpPr>
@@ -6597,13 +6467,7 @@
       </p:sp>
       <p:sp>
         <p:nvSpPr>
-          <p:cNvPr id="5" name="CaixaDeTexto 4">
-            <a:extLst>
-              <a:ext uri="{FF2B5EF4-FFF2-40B4-BE49-F238E27FC236}">
-                <a16:creationId xmlns:a16="http://schemas.microsoft.com/office/drawing/2014/main" id="{4FCA9608-CA00-2860-C70B-3EE036724879}"/>
-              </a:ext>
-            </a:extLst>
-          </p:cNvPr>
+          <p:cNvPr id="5" name="CaixaDeTexto 4"/>
           <p:cNvSpPr txBox="1"/>
           <p:nvPr/>
         </p:nvSpPr>
@@ -6634,15 +6498,18 @@
               </a:rPr>
               <a:t>tamanho dados comprimidos</a:t>
             </a:r>
+            <a:endParaRPr lang="pt-PT" dirty="0">
+              <a:solidFill>
+                <a:schemeClr val="tx1">
+                  <a:lumMod val="75000"/>
+                  <a:lumOff val="25000"/>
+                </a:schemeClr>
+              </a:solidFill>
+            </a:endParaRPr>
           </a:p>
         </p:txBody>
       </p:sp>
     </p:spTree>
-    <p:extLst>
-      <p:ext uri="{BB962C8B-B14F-4D97-AF65-F5344CB8AC3E}">
-        <p14:creationId xmlns:p14="http://schemas.microsoft.com/office/powerpoint/2010/main" val="162498349"/>
-      </p:ext>
-    </p:extLst>
   </p:cSld>
   <p:clrMapOvr>
     <a:masterClrMapping/>
@@ -6669,13 +6536,7 @@
       </p:grpSpPr>
       <p:sp>
         <p:nvSpPr>
-          <p:cNvPr id="2" name="Título 1">
-            <a:extLst>
-              <a:ext uri="{FF2B5EF4-FFF2-40B4-BE49-F238E27FC236}">
-                <a16:creationId xmlns:a16="http://schemas.microsoft.com/office/drawing/2014/main" id="{7D692A77-F3B9-02C3-A6FF-2CBB274EE159}"/>
-              </a:ext>
-            </a:extLst>
-          </p:cNvPr>
+          <p:cNvPr id="2" name="Título 1"/>
           <p:cNvSpPr>
             <a:spLocks noGrp="1"/>
           </p:cNvSpPr>
@@ -6692,18 +6553,13 @@
               <a:rPr lang="pt-PT" dirty="0"/>
               <a:t>Vantagens</a:t>
             </a:r>
-          </a:p>
-        </p:txBody>
-      </p:sp>
-      <p:sp>
-        <p:nvSpPr>
-          <p:cNvPr id="3" name="Marcador de Posição de Conteúdo 2">
-            <a:extLst>
-              <a:ext uri="{FF2B5EF4-FFF2-40B4-BE49-F238E27FC236}">
-                <a16:creationId xmlns:a16="http://schemas.microsoft.com/office/drawing/2014/main" id="{FAB13FAB-C6A2-779A-6497-D085F9C9D10C}"/>
-              </a:ext>
-            </a:extLst>
-          </p:cNvPr>
+            <a:endParaRPr lang="pt-PT" dirty="0"/>
+          </a:p>
+        </p:txBody>
+      </p:sp>
+      <p:sp>
+        <p:nvSpPr>
+          <p:cNvPr id="3" name="Marcador de Posição de Conteúdo 2"/>
           <p:cNvSpPr>
             <a:spLocks noGrp="1"/>
           </p:cNvSpPr>
@@ -6720,21 +6576,18 @@
               <a:rPr lang="pt-PT" dirty="0"/>
               <a:t>Simplicidade: Fácil de implementar e entender.</a:t>
             </a:r>
+            <a:endParaRPr lang="pt-PT" dirty="0"/>
           </a:p>
           <a:p>
             <a:r>
               <a:rPr lang="pt-PT" dirty="0"/>
               <a:t>Eficiência em Dados Repetitivos: Excelente para compressão de dados que têm muitas repetições, como imagens em preto e branco ou texto com caracteres repetidos.</a:t>
             </a:r>
+            <a:endParaRPr lang="pt-PT" dirty="0"/>
           </a:p>
         </p:txBody>
       </p:sp>
     </p:spTree>
-    <p:extLst>
-      <p:ext uri="{BB962C8B-B14F-4D97-AF65-F5344CB8AC3E}">
-        <p14:creationId xmlns:p14="http://schemas.microsoft.com/office/powerpoint/2010/main" val="3252419849"/>
-      </p:ext>
-    </p:extLst>
   </p:cSld>
   <p:clrMapOvr>
     <a:masterClrMapping/>
@@ -6761,13 +6614,7 @@
       </p:grpSpPr>
       <p:sp>
         <p:nvSpPr>
-          <p:cNvPr id="2" name="Título 1">
-            <a:extLst>
-              <a:ext uri="{FF2B5EF4-FFF2-40B4-BE49-F238E27FC236}">
-                <a16:creationId xmlns:a16="http://schemas.microsoft.com/office/drawing/2014/main" id="{E9FF24DF-A50F-84CD-8408-62E0D6C9D994}"/>
-              </a:ext>
-            </a:extLst>
-          </p:cNvPr>
+          <p:cNvPr id="2" name="Título 1"/>
           <p:cNvSpPr>
             <a:spLocks noGrp="1"/>
           </p:cNvSpPr>
@@ -6784,18 +6631,13 @@
               <a:rPr lang="pt-PT" dirty="0"/>
               <a:t>Desvantagens</a:t>
             </a:r>
-          </a:p>
-        </p:txBody>
-      </p:sp>
-      <p:sp>
-        <p:nvSpPr>
-          <p:cNvPr id="3" name="Marcador de Posição de Conteúdo 2">
-            <a:extLst>
-              <a:ext uri="{FF2B5EF4-FFF2-40B4-BE49-F238E27FC236}">
-                <a16:creationId xmlns:a16="http://schemas.microsoft.com/office/drawing/2014/main" id="{380875CA-2C5A-8319-904E-4739BC1D202A}"/>
-              </a:ext>
-            </a:extLst>
-          </p:cNvPr>
+            <a:endParaRPr lang="pt-PT" dirty="0"/>
+          </a:p>
+        </p:txBody>
+      </p:sp>
+      <p:sp>
+        <p:nvSpPr>
+          <p:cNvPr id="3" name="Marcador de Posição de Conteúdo 2"/>
           <p:cNvSpPr>
             <a:spLocks noGrp="1"/>
           </p:cNvSpPr>
@@ -6812,15 +6654,11 @@
               <a:rPr lang="pt-PT" dirty="0"/>
               <a:t>Ineficiente para Dados Diversos: Para dados sem muitas repetições, o RLE pode não fornecer compressão significativa e pode até aumentar o tamanho dos dados.</a:t>
             </a:r>
+            <a:endParaRPr lang="pt-PT" dirty="0"/>
           </a:p>
         </p:txBody>
       </p:sp>
     </p:spTree>
-    <p:extLst>
-      <p:ext uri="{BB962C8B-B14F-4D97-AF65-F5344CB8AC3E}">
-        <p14:creationId xmlns:p14="http://schemas.microsoft.com/office/powerpoint/2010/main" val="1454774830"/>
-      </p:ext>
-    </p:extLst>
   </p:cSld>
   <p:clrMapOvr>
     <a:masterClrMapping/>
@@ -6847,13 +6685,7 @@
       </p:grpSpPr>
       <p:sp>
         <p:nvSpPr>
-          <p:cNvPr id="2" name="Título 1">
-            <a:extLst>
-              <a:ext uri="{FF2B5EF4-FFF2-40B4-BE49-F238E27FC236}">
-                <a16:creationId xmlns:a16="http://schemas.microsoft.com/office/drawing/2014/main" id="{70EEA8E3-6CAF-C868-9F74-E8505F9F7F3E}"/>
-              </a:ext>
-            </a:extLst>
-          </p:cNvPr>
+          <p:cNvPr id="2" name="Título 1"/>
           <p:cNvSpPr>
             <a:spLocks noGrp="1"/>
           </p:cNvSpPr>
@@ -6870,18 +6702,13 @@
               <a:rPr lang="pt-PT" dirty="0"/>
               <a:t>Aplicações Comuns:</a:t>
             </a:r>
-          </a:p>
-        </p:txBody>
-      </p:sp>
-      <p:sp>
-        <p:nvSpPr>
-          <p:cNvPr id="3" name="Marcador de Posição de Conteúdo 2">
-            <a:extLst>
-              <a:ext uri="{FF2B5EF4-FFF2-40B4-BE49-F238E27FC236}">
-                <a16:creationId xmlns:a16="http://schemas.microsoft.com/office/drawing/2014/main" id="{7E19AD01-BB0E-BAB0-F736-264AB967B18A}"/>
-              </a:ext>
-            </a:extLst>
-          </p:cNvPr>
+            <a:endParaRPr lang="pt-PT" dirty="0"/>
+          </a:p>
+        </p:txBody>
+      </p:sp>
+      <p:sp>
+        <p:nvSpPr>
+          <p:cNvPr id="3" name="Marcador de Posição de Conteúdo 2"/>
           <p:cNvSpPr>
             <a:spLocks noGrp="1"/>
           </p:cNvSpPr>
@@ -6898,27 +6725,25 @@
               <a:rPr lang="pt-PT" dirty="0"/>
               <a:t>Compressão de imagens bitmap, como ícones e gráficos simples.</a:t>
             </a:r>
+            <a:endParaRPr lang="pt-PT" dirty="0"/>
           </a:p>
           <a:p>
             <a:r>
               <a:rPr lang="pt-PT" dirty="0"/>
               <a:t>Compactação de ficheiros de texto com muitos caracteres repetitivos.</a:t>
             </a:r>
+            <a:endParaRPr lang="pt-PT" dirty="0"/>
           </a:p>
           <a:p>
             <a:r>
               <a:rPr lang="pt-PT" dirty="0"/>
               <a:t>Transmissão de dados em meios onde a largura de banda é limitada.</a:t>
             </a:r>
+            <a:endParaRPr lang="pt-PT" dirty="0"/>
           </a:p>
         </p:txBody>
       </p:sp>
     </p:spTree>
-    <p:extLst>
-      <p:ext uri="{BB962C8B-B14F-4D97-AF65-F5344CB8AC3E}">
-        <p14:creationId xmlns:p14="http://schemas.microsoft.com/office/powerpoint/2010/main" val="1814541824"/>
-      </p:ext>
-    </p:extLst>
   </p:cSld>
   <p:clrMapOvr>
     <a:masterClrMapping/>
@@ -6945,13 +6770,7 @@
       </p:grpSpPr>
       <p:sp>
         <p:nvSpPr>
-          <p:cNvPr id="2" name="Título 1">
-            <a:extLst>
-              <a:ext uri="{FF2B5EF4-FFF2-40B4-BE49-F238E27FC236}">
-                <a16:creationId xmlns:a16="http://schemas.microsoft.com/office/drawing/2014/main" id="{A29BE0B0-CEEE-E6B6-A12B-F56381E1CD96}"/>
-              </a:ext>
-            </a:extLst>
-          </p:cNvPr>
+          <p:cNvPr id="2" name="Título 1"/>
           <p:cNvSpPr>
             <a:spLocks noGrp="1"/>
           </p:cNvSpPr>
@@ -6968,18 +6787,13 @@
               <a:rPr lang="pt-PT" dirty="0"/>
               <a:t>Conclusão</a:t>
             </a:r>
-          </a:p>
-        </p:txBody>
-      </p:sp>
-      <p:sp>
-        <p:nvSpPr>
-          <p:cNvPr id="3" name="Marcador de Posição de Conteúdo 2">
-            <a:extLst>
-              <a:ext uri="{FF2B5EF4-FFF2-40B4-BE49-F238E27FC236}">
-                <a16:creationId xmlns:a16="http://schemas.microsoft.com/office/drawing/2014/main" id="{DB92B064-CDB6-B34A-EB22-7FF18CF357F2}"/>
-              </a:ext>
-            </a:extLst>
-          </p:cNvPr>
+            <a:endParaRPr lang="pt-PT" dirty="0"/>
+          </a:p>
+        </p:txBody>
+      </p:sp>
+      <p:sp>
+        <p:nvSpPr>
+          <p:cNvPr id="3" name="Marcador de Posição de Conteúdo 2"/>
           <p:cNvSpPr>
             <a:spLocks noGrp="1"/>
           </p:cNvSpPr>
@@ -7029,11 +6843,6 @@
         </p:txBody>
       </p:sp>
     </p:spTree>
-    <p:extLst>
-      <p:ext uri="{BB962C8B-B14F-4D97-AF65-F5344CB8AC3E}">
-        <p14:creationId xmlns:p14="http://schemas.microsoft.com/office/powerpoint/2010/main" val="2668297800"/>
-      </p:ext>
-    </p:extLst>
   </p:cSld>
   <p:clrMapOvr>
     <a:masterClrMapping/>
@@ -7084,7 +6893,7 @@
     </a:clrScheme>
     <a:fontScheme name="Faceta">
       <a:majorFont>
-        <a:latin typeface="Trebuchet MS" panose="020B0603020202020204"/>
+        <a:latin typeface="Trebuchet MS"/>
         <a:ea typeface=""/>
         <a:cs typeface=""/>
         <a:font script="Jpan" typeface="メイリオ"/>
@@ -7119,7 +6928,7 @@
         <a:font script="Geor" typeface="Sylfaen"/>
       </a:majorFont>
       <a:minorFont>
-        <a:latin typeface="Trebuchet MS" panose="020B0603020202020204"/>
+        <a:latin typeface="Trebuchet MS"/>
         <a:ea typeface=""/>
         <a:cs typeface=""/>
         <a:font script="Jpan" typeface="メイリオ"/>
@@ -7288,11 +7097,9 @@
       </a:bgFillStyleLst>
     </a:fmtScheme>
   </a:themeElements>
-  <a:objectDefaults/>
-  <a:extraClrSchemeLst/>
   <a:extLst>
     <a:ext uri="{05A4C25C-085E-4340-85A3-A5531E510DB2}">
-      <thm15:themeFamily xmlns:thm15="http://schemas.microsoft.com/office/thememl/2012/main" name="Facet" id="{C0C680CD-088A-49FC-A102-D699147F32B2}" vid="{CFBC31BA-B70F-4F30-BCAA-4F3011E16C4D}"/>
+      <thm15:themeFamily xmlns:thm15="http://schemas.microsoft.com/office/thememl/2012/main" name="Office Theme" id="{62F939B6-93AF-4DB8-9C6B-D6C7DFDC589F}" vid="{4A3C46E8-61CC-4603-A589-7422A47A8E4A}"/>
     </a:ext>
   </a:extLst>
 </a:theme>

--- a/Run Length Encoding.pptx
+++ b/Run Length Encoding.pptx
@@ -10,10 +10,11 @@
     <p:sldId id="258" r:id="rId5"/>
     <p:sldId id="259" r:id="rId6"/>
     <p:sldId id="260" r:id="rId7"/>
-    <p:sldId id="261" r:id="rId8"/>
-    <p:sldId id="262" r:id="rId9"/>
-    <p:sldId id="263" r:id="rId10"/>
-    <p:sldId id="264" r:id="rId11"/>
+    <p:sldId id="265" r:id="rId8"/>
+    <p:sldId id="261" r:id="rId9"/>
+    <p:sldId id="262" r:id="rId10"/>
+    <p:sldId id="263" r:id="rId11"/>
+    <p:sldId id="264" r:id="rId12"/>
   </p:sldIdLst>
   <p:sldSz cx="12192000" cy="6858000"/>
   <p:notesSz cx="6858000" cy="9144000"/>
@@ -5470,7 +5471,7 @@
           <a:schemeClr val="accent1"/>
         </a:buClr>
         <a:buSzPct val="80000"/>
-        <a:buFont typeface="Wingdings 3" charset="2"/>
+        <a:buFont typeface="Wingdings 3" panose="05040102010807070707" charset="2"/>
         <a:buChar char=""/>
         <a:defRPr sz="1800" kern="1200">
           <a:solidFill>
@@ -5495,7 +5496,7 @@
           <a:schemeClr val="accent1"/>
         </a:buClr>
         <a:buSzPct val="80000"/>
-        <a:buFont typeface="Wingdings 3" charset="2"/>
+        <a:buFont typeface="Wingdings 3" panose="05040102010807070707" charset="2"/>
         <a:buChar char=""/>
         <a:defRPr sz="1600" kern="1200">
           <a:solidFill>
@@ -5520,7 +5521,7 @@
           <a:schemeClr val="accent1"/>
         </a:buClr>
         <a:buSzPct val="80000"/>
-        <a:buFont typeface="Wingdings 3" charset="2"/>
+        <a:buFont typeface="Wingdings 3" panose="05040102010807070707" charset="2"/>
         <a:buChar char=""/>
         <a:defRPr sz="1400" kern="1200">
           <a:solidFill>
@@ -5545,7 +5546,7 @@
           <a:schemeClr val="accent1"/>
         </a:buClr>
         <a:buSzPct val="80000"/>
-        <a:buFont typeface="Wingdings 3" charset="2"/>
+        <a:buFont typeface="Wingdings 3" panose="05040102010807070707" charset="2"/>
         <a:buChar char=""/>
         <a:defRPr sz="1200" kern="1200">
           <a:solidFill>
@@ -5570,7 +5571,7 @@
           <a:schemeClr val="accent1"/>
         </a:buClr>
         <a:buSzPct val="80000"/>
-        <a:buFont typeface="Wingdings 3" charset="2"/>
+        <a:buFont typeface="Wingdings 3" panose="05040102010807070707" charset="2"/>
         <a:buChar char=""/>
         <a:defRPr sz="1200" kern="1200">
           <a:solidFill>
@@ -5595,7 +5596,7 @@
           <a:schemeClr val="accent1"/>
         </a:buClr>
         <a:buSzPct val="80000"/>
-        <a:buFont typeface="Wingdings 3" charset="2"/>
+        <a:buFont typeface="Wingdings 3" panose="05040102010807070707" charset="2"/>
         <a:buChar char=""/>
         <a:defRPr sz="1200" kern="1200">
           <a:solidFill>
@@ -5620,7 +5621,7 @@
           <a:schemeClr val="accent1"/>
         </a:buClr>
         <a:buSzPct val="80000"/>
-        <a:buFont typeface="Wingdings 3" charset="2"/>
+        <a:buFont typeface="Wingdings 3" panose="05040102010807070707" charset="2"/>
         <a:buChar char=""/>
         <a:defRPr sz="1200" kern="1200">
           <a:solidFill>
@@ -5645,7 +5646,7 @@
           <a:schemeClr val="accent1"/>
         </a:buClr>
         <a:buSzPct val="80000"/>
-        <a:buFont typeface="Wingdings 3" charset="2"/>
+        <a:buFont typeface="Wingdings 3" panose="05040102010807070707" charset="2"/>
         <a:buChar char=""/>
         <a:defRPr sz="1200" kern="1200">
           <a:solidFill>
@@ -5670,7 +5671,7 @@
           <a:schemeClr val="accent1"/>
         </a:buClr>
         <a:buSzPct val="80000"/>
-        <a:buFont typeface="Wingdings 3" charset="2"/>
+        <a:buFont typeface="Wingdings 3" panose="05040102010807070707" charset="2"/>
         <a:buChar char=""/>
         <a:defRPr sz="1200" kern="1200">
           <a:solidFill>
@@ -5907,6 +5908,105 @@
 </p:sld>
 </file>
 
+<file path=ppt/slides/slide10.xml><?xml version="1.0" encoding="utf-8"?>
+<p:sld xmlns:a="http://schemas.openxmlformats.org/drawingml/2006/main" xmlns:r="http://schemas.openxmlformats.org/officeDocument/2006/relationships" xmlns:p="http://schemas.openxmlformats.org/presentationml/2006/main">
+  <p:cSld>
+    <p:spTree>
+      <p:nvGrpSpPr>
+        <p:cNvPr id="1" name=""/>
+        <p:cNvGrpSpPr/>
+        <p:nvPr/>
+      </p:nvGrpSpPr>
+      <p:grpSpPr>
+        <a:xfrm>
+          <a:off x="0" y="0"/>
+          <a:ext cx="0" cy="0"/>
+          <a:chOff x="0" y="0"/>
+          <a:chExt cx="0" cy="0"/>
+        </a:xfrm>
+      </p:grpSpPr>
+      <p:sp>
+        <p:nvSpPr>
+          <p:cNvPr id="2" name="Título 1"/>
+          <p:cNvSpPr>
+            <a:spLocks noGrp="1"/>
+          </p:cNvSpPr>
+          <p:nvPr>
+            <p:ph type="title"/>
+          </p:nvPr>
+        </p:nvSpPr>
+        <p:spPr/>
+        <p:txBody>
+          <a:bodyPr/>
+          <a:lstStyle/>
+          <a:p>
+            <a:r>
+              <a:rPr lang="pt-PT" dirty="0"/>
+              <a:t>Conclusão</a:t>
+            </a:r>
+            <a:endParaRPr lang="pt-PT" dirty="0"/>
+          </a:p>
+        </p:txBody>
+      </p:sp>
+      <p:sp>
+        <p:nvSpPr>
+          <p:cNvPr id="3" name="Marcador de Posição de Conteúdo 2"/>
+          <p:cNvSpPr>
+            <a:spLocks noGrp="1"/>
+          </p:cNvSpPr>
+          <p:nvPr>
+            <p:ph idx="1"/>
+          </p:nvPr>
+        </p:nvSpPr>
+        <p:spPr/>
+        <p:txBody>
+          <a:bodyPr/>
+          <a:lstStyle/>
+          <a:p>
+            <a:r>
+              <a:rPr lang="pt-PT" dirty="0"/>
+              <a:t>Em suma, o </a:t>
+            </a:r>
+            <a:r>
+              <a:rPr lang="pt-PT" dirty="0" err="1"/>
+              <a:t>Run</a:t>
+            </a:r>
+            <a:r>
+              <a:rPr lang="pt-PT" dirty="0"/>
+              <a:t> </a:t>
+            </a:r>
+            <a:r>
+              <a:rPr lang="pt-PT" dirty="0" err="1"/>
+              <a:t>Length</a:t>
+            </a:r>
+            <a:r>
+              <a:rPr lang="pt-PT" dirty="0"/>
+              <a:t> </a:t>
+            </a:r>
+            <a:r>
+              <a:rPr lang="pt-PT" dirty="0" err="1"/>
+              <a:t>Encoding</a:t>
+            </a:r>
+            <a:r>
+              <a:rPr lang="pt-PT" dirty="0"/>
+              <a:t> é um algoritmo de compressão sem perdas que é utilizado quando existem sequências de caracteres repetidos, comprimindo e assim sendo possível usar num serviço para tornar o processo mais rápido que é o objetivo de hoje </a:t>
+            </a:r>
+            <a:r>
+              <a:rPr lang="pt-PT"/>
+              <a:t>em dia.</a:t>
+            </a:r>
+            <a:endParaRPr lang="pt-PT" dirty="0"/>
+          </a:p>
+        </p:txBody>
+      </p:sp>
+    </p:spTree>
+  </p:cSld>
+  <p:clrMapOvr>
+    <a:masterClrMapping/>
+  </p:clrMapOvr>
+</p:sld>
+</file>
+
 <file path=ppt/slides/slide2.xml><?xml version="1.0" encoding="utf-8"?>
 <p:sld xmlns:a="http://schemas.openxmlformats.org/drawingml/2006/main" xmlns:r="http://schemas.openxmlformats.org/officeDocument/2006/relationships" xmlns:p="http://schemas.openxmlformats.org/presentationml/2006/main">
   <p:cSld>
@@ -6526,17 +6626,10 @@
         <p:cNvGrpSpPr/>
         <p:nvPr/>
       </p:nvGrpSpPr>
-      <p:grpSpPr>
-        <a:xfrm>
-          <a:off x="0" y="0"/>
-          <a:ext cx="0" cy="0"/>
-          <a:chOff x="0" y="0"/>
-          <a:chExt cx="0" cy="0"/>
-        </a:xfrm>
-      </p:grpSpPr>
-      <p:sp>
-        <p:nvSpPr>
-          <p:cNvPr id="2" name="Título 1"/>
+      <p:grpSpPr/>
+      <p:sp>
+        <p:nvSpPr>
+          <p:cNvPr id="2" name="Título  1"/>
           <p:cNvSpPr>
             <a:spLocks noGrp="1"/>
           </p:cNvSpPr>
@@ -6547,46 +6640,41 @@
         <p:spPr/>
         <p:txBody>
           <a:bodyPr/>
-          <a:lstStyle/>
-          <a:p>
-            <a:r>
-              <a:rPr lang="pt-PT" dirty="0"/>
-              <a:t>Vantagens</a:t>
-            </a:r>
-            <a:endParaRPr lang="pt-PT" dirty="0"/>
-          </a:p>
-        </p:txBody>
-      </p:sp>
-      <p:sp>
-        <p:nvSpPr>
-          <p:cNvPr id="3" name="Marcador de Posição de Conteúdo 2"/>
-          <p:cNvSpPr>
-            <a:spLocks noGrp="1"/>
-          </p:cNvSpPr>
+          <a:p>
+            <a:r>
+              <a:rPr lang="pt-PT" altLang="en-US"/>
+              <a:t>Rácio de Compressão</a:t>
+            </a:r>
+            <a:endParaRPr lang="pt-PT" altLang="en-US"/>
+          </a:p>
+        </p:txBody>
+      </p:sp>
+      <p:pic>
+        <p:nvPicPr>
+          <p:cNvPr id="6" name="Marcador de Posição de Conteúdo 5"/>
+          <p:cNvPicPr>
+            <a:picLocks noChangeAspect="1"/>
+          </p:cNvPicPr>
           <p:nvPr>
             <p:ph idx="1"/>
           </p:nvPr>
-        </p:nvSpPr>
-        <p:spPr/>
-        <p:txBody>
-          <a:bodyPr/>
-          <a:lstStyle/>
-          <a:p>
-            <a:r>
-              <a:rPr lang="pt-PT" dirty="0"/>
-              <a:t>Simplicidade: Fácil de implementar e entender.</a:t>
-            </a:r>
-            <a:endParaRPr lang="pt-PT" dirty="0"/>
-          </a:p>
-          <a:p>
-            <a:r>
-              <a:rPr lang="pt-PT" dirty="0"/>
-              <a:t>Eficiência em Dados Repetitivos: Excelente para compressão de dados que têm muitas repetições, como imagens em preto e branco ou texto com caracteres repetidos.</a:t>
-            </a:r>
-            <a:endParaRPr lang="pt-PT" dirty="0"/>
-          </a:p>
-        </p:txBody>
-      </p:sp>
+        </p:nvPicPr>
+        <p:blipFill>
+          <a:blip r:embed="rId1"/>
+          <a:stretch>
+            <a:fillRect/>
+          </a:stretch>
+        </p:blipFill>
+        <p:spPr>
+          <a:xfrm>
+            <a:off x="1903730" y="3323590"/>
+            <a:ext cx="6143625" cy="990600"/>
+          </a:xfrm>
+          <a:prstGeom prst="rect">
+            <a:avLst/>
+          </a:prstGeom>
+        </p:spPr>
+      </p:pic>
     </p:spTree>
   </p:cSld>
   <p:clrMapOvr>
@@ -6629,7 +6717,7 @@
           <a:p>
             <a:r>
               <a:rPr lang="pt-PT" dirty="0"/>
-              <a:t>Desvantagens</a:t>
+              <a:t>Vantagens</a:t>
             </a:r>
             <a:endParaRPr lang="pt-PT" dirty="0"/>
           </a:p>
@@ -6652,7 +6740,14 @@
           <a:p>
             <a:r>
               <a:rPr lang="pt-PT" dirty="0"/>
-              <a:t>Ineficiente para Dados Diversos: Para dados sem muitas repetições, o RLE pode não fornecer compressão significativa e pode até aumentar o tamanho dos dados.</a:t>
+              <a:t>Simplicidade: Fácil de implementar e entender.</a:t>
+            </a:r>
+            <a:endParaRPr lang="pt-PT" dirty="0"/>
+          </a:p>
+          <a:p>
+            <a:r>
+              <a:rPr lang="pt-PT" dirty="0"/>
+              <a:t>Eficiência em Dados Repetitivos: Excelente para compressão de dados que têm muitas repetições, como imagens em preto e branco ou texto com caracteres repetidos.</a:t>
             </a:r>
             <a:endParaRPr lang="pt-PT" dirty="0"/>
           </a:p>
@@ -6700,7 +6795,7 @@
           <a:p>
             <a:r>
               <a:rPr lang="pt-PT" dirty="0"/>
-              <a:t>Aplicações Comuns:</a:t>
+              <a:t>Desvantagens</a:t>
             </a:r>
             <a:endParaRPr lang="pt-PT" dirty="0"/>
           </a:p>
@@ -6723,21 +6818,7 @@
           <a:p>
             <a:r>
               <a:rPr lang="pt-PT" dirty="0"/>
-              <a:t>Compressão de imagens bitmap, como ícones e gráficos simples.</a:t>
-            </a:r>
-            <a:endParaRPr lang="pt-PT" dirty="0"/>
-          </a:p>
-          <a:p>
-            <a:r>
-              <a:rPr lang="pt-PT" dirty="0"/>
-              <a:t>Compactação de ficheiros de texto com muitos caracteres repetitivos.</a:t>
-            </a:r>
-            <a:endParaRPr lang="pt-PT" dirty="0"/>
-          </a:p>
-          <a:p>
-            <a:r>
-              <a:rPr lang="pt-PT" dirty="0"/>
-              <a:t>Transmissão de dados em meios onde a largura de banda é limitada.</a:t>
+              <a:t>Ineficiente para Dados Diversos: Para dados sem muitas repetições, o RLE pode não fornecer compressão significativa e pode até aumentar o tamanho dos dados.</a:t>
             </a:r>
             <a:endParaRPr lang="pt-PT" dirty="0"/>
           </a:p>
@@ -6785,7 +6866,7 @@
           <a:p>
             <a:r>
               <a:rPr lang="pt-PT" dirty="0"/>
-              <a:t>Conclusão</a:t>
+              <a:t>Aplicações Comuns:</a:t>
             </a:r>
             <a:endParaRPr lang="pt-PT" dirty="0"/>
           </a:p>
@@ -6808,35 +6889,21 @@
           <a:p>
             <a:r>
               <a:rPr lang="pt-PT" dirty="0"/>
-              <a:t>Em suma, o </a:t>
-            </a:r>
-            <a:r>
-              <a:rPr lang="pt-PT" dirty="0" err="1"/>
-              <a:t>Run</a:t>
-            </a:r>
+              <a:t>Compressão de imagens bitmap, como ícones e gráficos simples.</a:t>
+            </a:r>
+            <a:endParaRPr lang="pt-PT" dirty="0"/>
+          </a:p>
+          <a:p>
             <a:r>
               <a:rPr lang="pt-PT" dirty="0"/>
-              <a:t> </a:t>
-            </a:r>
-            <a:r>
-              <a:rPr lang="pt-PT" dirty="0" err="1"/>
-              <a:t>Length</a:t>
-            </a:r>
+              <a:t>Compactação de ficheiros de texto com muitos caracteres repetitivos.</a:t>
+            </a:r>
+            <a:endParaRPr lang="pt-PT" dirty="0"/>
+          </a:p>
+          <a:p>
             <a:r>
               <a:rPr lang="pt-PT" dirty="0"/>
-              <a:t> </a:t>
-            </a:r>
-            <a:r>
-              <a:rPr lang="pt-PT" dirty="0" err="1"/>
-              <a:t>Encoding</a:t>
-            </a:r>
-            <a:r>
-              <a:rPr lang="pt-PT" dirty="0"/>
-              <a:t> é um algoritmo de compressão sem perdas que é utilizado quando existem sequências de caracteres repetidos, comprimindo e assim sendo possível usar num serviço para tornar o processo mais rápido que é o objetivo de hoje </a:t>
-            </a:r>
-            <a:r>
-              <a:rPr lang="pt-PT"/>
-              <a:t>em dia.</a:t>
+              <a:t>Transmissão de dados em meios onde a largura de banda é limitada.</a:t>
             </a:r>
             <a:endParaRPr lang="pt-PT" dirty="0"/>
           </a:p>
